--- a/sctm146-proekt-unrvk-8.pptx
+++ b/sctm146-proekt-unrvk-8.pptx
@@ -11,10 +11,11 @@
     <p:sldId id="270" r:id="rId5"/>
     <p:sldId id="267" r:id="rId6"/>
     <p:sldId id="271" r:id="rId7"/>
-    <p:sldId id="272" r:id="rId8"/>
-    <p:sldId id="268" r:id="rId9"/>
-    <p:sldId id="266" r:id="rId10"/>
-    <p:sldId id="262" r:id="rId11"/>
+    <p:sldId id="273" r:id="rId8"/>
+    <p:sldId id="272" r:id="rId9"/>
+    <p:sldId id="268" r:id="rId10"/>
+    <p:sldId id="266" r:id="rId11"/>
+    <p:sldId id="262" r:id="rId12"/>
   </p:sldIdLst>
   <p:sldSz cx="12192000" cy="6858000"/>
   <p:notesSz cx="6858000" cy="9144000"/>
@@ -3735,6 +3736,36 @@
           <a:chExt cx="0" cy="0"/>
         </a:xfrm>
       </p:grpSpPr>
+    </p:spTree>
+    <p:extLst>
+      <p:ext uri="{BB962C8B-B14F-4D97-AF65-F5344CB8AC3E}">
+        <p14:creationId xmlns:p14="http://schemas.microsoft.com/office/powerpoint/2010/main" val="2047473254"/>
+      </p:ext>
+    </p:extLst>
+  </p:cSld>
+  <p:clrMapOvr>
+    <a:masterClrMapping/>
+  </p:clrMapOvr>
+</p:sld>
+</file>
+
+<file path=ppt/slides/slide11.xml><?xml version="1.0" encoding="utf-8"?>
+<p:sld xmlns:a="http://schemas.openxmlformats.org/drawingml/2006/main" xmlns:r="http://schemas.openxmlformats.org/officeDocument/2006/relationships" xmlns:p="http://schemas.openxmlformats.org/presentationml/2006/main">
+  <p:cSld>
+    <p:spTree>
+      <p:nvGrpSpPr>
+        <p:cNvPr id="1" name=""/>
+        <p:cNvGrpSpPr/>
+        <p:nvPr/>
+      </p:nvGrpSpPr>
+      <p:grpSpPr>
+        <a:xfrm>
+          <a:off x="0" y="0"/>
+          <a:ext cx="0" cy="0"/>
+          <a:chOff x="0" y="0"/>
+          <a:chExt cx="0" cy="0"/>
+        </a:xfrm>
+      </p:grpSpPr>
       <p:sp>
         <p:nvSpPr>
           <p:cNvPr id="2" name="Title 1">
@@ -5177,6 +5208,56 @@
           </a:p>
         </p:txBody>
       </p:sp>
+      <p:sp>
+        <p:nvSpPr>
+          <p:cNvPr id="10" name="TextBox 9">
+            <a:extLst>
+              <a:ext uri="{FF2B5EF4-FFF2-40B4-BE49-F238E27FC236}">
+                <a16:creationId xmlns:a16="http://schemas.microsoft.com/office/drawing/2014/main" id="{AE2EEF24-11B0-2E49-A045-F82CBF189434}"/>
+              </a:ext>
+            </a:extLst>
+          </p:cNvPr>
+          <p:cNvSpPr txBox="1"/>
+          <p:nvPr/>
+        </p:nvSpPr>
+        <p:spPr>
+          <a:xfrm>
+            <a:off x="430306" y="6061554"/>
+            <a:ext cx="11312865" cy="338554"/>
+          </a:xfrm>
+          <a:prstGeom prst="rect">
+            <a:avLst/>
+          </a:prstGeom>
+          <a:noFill/>
+          <a:ln>
+            <a:solidFill>
+              <a:schemeClr val="tx1"/>
+            </a:solidFill>
+          </a:ln>
+        </p:spPr>
+        <p:txBody>
+          <a:bodyPr wrap="square" rtlCol="0">
+            <a:spAutoFit/>
+          </a:bodyPr>
+          <a:lstStyle/>
+          <a:p>
+            <a:r>
+              <a:rPr lang="bg-BG" sz="800" dirty="0"/>
+              <a:t>Референции:</a:t>
+            </a:r>
+            <a:endParaRPr lang="en-GB" sz="800" dirty="0"/>
+          </a:p>
+          <a:p>
+            <a:r>
+              <a:rPr lang="en-GB" sz="800" dirty="0">
+                <a:hlinkClick r:id="rId2"/>
+              </a:rPr>
+              <a:t>https://thesecmaster.com/how-does-the-log4j-vulnerability-work-in-practical/</a:t>
+            </a:r>
+            <a:endParaRPr lang="bg-BG" sz="800" dirty="0"/>
+          </a:p>
+        </p:txBody>
+      </p:sp>
     </p:spTree>
     <p:extLst>
       <p:ext uri="{BB962C8B-B14F-4D97-AF65-F5344CB8AC3E}">
@@ -5927,6 +6008,11 @@
           <a:prstGeom prst="roundRect">
             <a:avLst/>
           </a:prstGeom>
+          <a:solidFill>
+            <a:schemeClr val="bg1">
+              <a:lumMod val="95000"/>
+            </a:schemeClr>
+          </a:solidFill>
         </p:spPr>
         <p:style>
           <a:lnRef idx="2">
@@ -5973,6 +6059,9 @@
           <a:prstGeom prst="chevron">
             <a:avLst/>
           </a:prstGeom>
+          <a:solidFill>
+            <a:srgbClr val="00B050"/>
+          </a:solidFill>
         </p:spPr>
         <p:style>
           <a:lnRef idx="2">
@@ -6024,6 +6113,9 @@
           <a:prstGeom prst="chevron">
             <a:avLst/>
           </a:prstGeom>
+          <a:solidFill>
+            <a:srgbClr val="00B050"/>
+          </a:solidFill>
         </p:spPr>
         <p:style>
           <a:lnRef idx="2">
@@ -6075,6 +6167,9 @@
           <a:prstGeom prst="chevron">
             <a:avLst/>
           </a:prstGeom>
+          <a:solidFill>
+            <a:srgbClr val="00B050"/>
+          </a:solidFill>
         </p:spPr>
         <p:style>
           <a:lnRef idx="2">
@@ -6246,6 +6341,11 @@
           <a:prstGeom prst="roundRect">
             <a:avLst/>
           </a:prstGeom>
+          <a:solidFill>
+            <a:schemeClr val="bg1">
+              <a:lumMod val="95000"/>
+            </a:schemeClr>
+          </a:solidFill>
         </p:spPr>
         <p:style>
           <a:lnRef idx="2">
@@ -6292,6 +6392,9 @@
           <a:prstGeom prst="chevron">
             <a:avLst/>
           </a:prstGeom>
+          <a:solidFill>
+            <a:srgbClr val="00B050"/>
+          </a:solidFill>
         </p:spPr>
         <p:style>
           <a:lnRef idx="2">
@@ -6343,6 +6446,9 @@
           <a:prstGeom prst="chevron">
             <a:avLst/>
           </a:prstGeom>
+          <a:solidFill>
+            <a:srgbClr val="00B050"/>
+          </a:solidFill>
         </p:spPr>
         <p:style>
           <a:lnRef idx="2">
@@ -6394,6 +6500,9 @@
           <a:prstGeom prst="chevron">
             <a:avLst/>
           </a:prstGeom>
+          <a:solidFill>
+            <a:srgbClr val="FF0000"/>
+          </a:solidFill>
         </p:spPr>
         <p:style>
           <a:lnRef idx="2">
@@ -7381,6 +7490,301 @@
           </a:p>
         </p:txBody>
       </p:sp>
+      <p:sp>
+        <p:nvSpPr>
+          <p:cNvPr id="38" name="Card 37">
+            <a:extLst>
+              <a:ext uri="{FF2B5EF4-FFF2-40B4-BE49-F238E27FC236}">
+                <a16:creationId xmlns:a16="http://schemas.microsoft.com/office/drawing/2014/main" id="{98737D0D-9671-5247-99A8-951C77EF9BCB}"/>
+              </a:ext>
+            </a:extLst>
+          </p:cNvPr>
+          <p:cNvSpPr/>
+          <p:nvPr/>
+        </p:nvSpPr>
+        <p:spPr>
+          <a:xfrm>
+            <a:off x="2585988" y="3619802"/>
+            <a:ext cx="525170" cy="614515"/>
+          </a:xfrm>
+          <a:prstGeom prst="flowChartPunchedCard">
+            <a:avLst/>
+          </a:prstGeom>
+        </p:spPr>
+        <p:style>
+          <a:lnRef idx="2">
+            <a:schemeClr val="accent6"/>
+          </a:lnRef>
+          <a:fillRef idx="1">
+            <a:schemeClr val="lt1"/>
+          </a:fillRef>
+          <a:effectRef idx="0">
+            <a:schemeClr val="accent6"/>
+          </a:effectRef>
+          <a:fontRef idx="minor">
+            <a:schemeClr val="dk1"/>
+          </a:fontRef>
+        </p:style>
+        <p:txBody>
+          <a:bodyPr rtlCol="0" anchor="ctr"/>
+          <a:lstStyle/>
+          <a:p>
+            <a:r>
+              <a:rPr lang="en-GB" sz="1200" b="1" dirty="0"/>
+              <a:t>POM</a:t>
+            </a:r>
+          </a:p>
+        </p:txBody>
+      </p:sp>
+      <p:pic>
+        <p:nvPicPr>
+          <p:cNvPr id="11" name="Picture 10" descr="Diagram, map&#10;&#10;Description automatically generated">
+            <a:extLst>
+              <a:ext uri="{FF2B5EF4-FFF2-40B4-BE49-F238E27FC236}">
+                <a16:creationId xmlns:a16="http://schemas.microsoft.com/office/drawing/2014/main" id="{BD85ABFA-976D-A946-A236-CB3FD5211283}"/>
+              </a:ext>
+            </a:extLst>
+          </p:cNvPr>
+          <p:cNvPicPr>
+            <a:picLocks noChangeAspect="1"/>
+          </p:cNvPicPr>
+          <p:nvPr/>
+        </p:nvPicPr>
+        <p:blipFill>
+          <a:blip r:embed="rId5"/>
+          <a:stretch>
+            <a:fillRect/>
+          </a:stretch>
+        </p:blipFill>
+        <p:spPr>
+          <a:xfrm>
+            <a:off x="3758283" y="2661566"/>
+            <a:ext cx="4704215" cy="2944081"/>
+          </a:xfrm>
+          <a:prstGeom prst="rect">
+            <a:avLst/>
+          </a:prstGeom>
+        </p:spPr>
+      </p:pic>
+      <p:cxnSp>
+        <p:nvCxnSpPr>
+          <p:cNvPr id="44" name="Straight Arrow Connector 43">
+            <a:extLst>
+              <a:ext uri="{FF2B5EF4-FFF2-40B4-BE49-F238E27FC236}">
+                <a16:creationId xmlns:a16="http://schemas.microsoft.com/office/drawing/2014/main" id="{52417CEB-E6D5-D249-BA1E-E8552D1CCF20}"/>
+              </a:ext>
+            </a:extLst>
+          </p:cNvPr>
+          <p:cNvCxnSpPr>
+            <a:cxnSpLocks/>
+            <a:stCxn id="38" idx="3"/>
+            <a:endCxn id="11" idx="1"/>
+          </p:cNvCxnSpPr>
+          <p:nvPr/>
+        </p:nvCxnSpPr>
+        <p:spPr>
+          <a:xfrm>
+            <a:off x="3111158" y="3927060"/>
+            <a:ext cx="647125" cy="206547"/>
+          </a:xfrm>
+          <a:prstGeom prst="straightConnector1">
+            <a:avLst/>
+          </a:prstGeom>
+          <a:ln>
+            <a:solidFill>
+              <a:schemeClr val="tx1"/>
+            </a:solidFill>
+            <a:tailEnd type="triangle"/>
+          </a:ln>
+        </p:spPr>
+        <p:style>
+          <a:lnRef idx="1">
+            <a:schemeClr val="accent1"/>
+          </a:lnRef>
+          <a:fillRef idx="0">
+            <a:schemeClr val="accent1"/>
+          </a:fillRef>
+          <a:effectRef idx="0">
+            <a:schemeClr val="accent1"/>
+          </a:effectRef>
+          <a:fontRef idx="minor">
+            <a:schemeClr val="tx1"/>
+          </a:fontRef>
+        </p:style>
+      </p:cxnSp>
+      <p:cxnSp>
+        <p:nvCxnSpPr>
+          <p:cNvPr id="45" name="Straight Arrow Connector 44">
+            <a:extLst>
+              <a:ext uri="{FF2B5EF4-FFF2-40B4-BE49-F238E27FC236}">
+                <a16:creationId xmlns:a16="http://schemas.microsoft.com/office/drawing/2014/main" id="{6004C76B-C210-E24A-97D7-85C0AF077535}"/>
+              </a:ext>
+            </a:extLst>
+          </p:cNvPr>
+          <p:cNvCxnSpPr>
+            <a:cxnSpLocks/>
+            <a:stCxn id="38" idx="1"/>
+            <a:endCxn id="62" idx="3"/>
+          </p:cNvCxnSpPr>
+          <p:nvPr/>
+        </p:nvCxnSpPr>
+        <p:spPr>
+          <a:xfrm flipH="1">
+            <a:off x="1896445" y="3927060"/>
+            <a:ext cx="689543" cy="2424"/>
+          </a:xfrm>
+          <a:prstGeom prst="straightConnector1">
+            <a:avLst/>
+          </a:prstGeom>
+          <a:ln>
+            <a:solidFill>
+              <a:schemeClr val="tx1"/>
+            </a:solidFill>
+            <a:tailEnd type="triangle"/>
+          </a:ln>
+        </p:spPr>
+        <p:style>
+          <a:lnRef idx="1">
+            <a:schemeClr val="accent1"/>
+          </a:lnRef>
+          <a:fillRef idx="0">
+            <a:schemeClr val="accent1"/>
+          </a:fillRef>
+          <a:effectRef idx="0">
+            <a:schemeClr val="accent1"/>
+          </a:effectRef>
+          <a:fontRef idx="minor">
+            <a:schemeClr val="tx1"/>
+          </a:fontRef>
+        </p:style>
+      </p:cxnSp>
+      <p:sp>
+        <p:nvSpPr>
+          <p:cNvPr id="50" name="TextBox 49">
+            <a:extLst>
+              <a:ext uri="{FF2B5EF4-FFF2-40B4-BE49-F238E27FC236}">
+                <a16:creationId xmlns:a16="http://schemas.microsoft.com/office/drawing/2014/main" id="{CDD9D245-F13E-A648-8DF3-4E4A9F45324E}"/>
+              </a:ext>
+            </a:extLst>
+          </p:cNvPr>
+          <p:cNvSpPr txBox="1"/>
+          <p:nvPr/>
+        </p:nvSpPr>
+        <p:spPr>
+          <a:xfrm>
+            <a:off x="430306" y="6061554"/>
+            <a:ext cx="11312865" cy="338554"/>
+          </a:xfrm>
+          <a:prstGeom prst="rect">
+            <a:avLst/>
+          </a:prstGeom>
+          <a:noFill/>
+          <a:ln>
+            <a:solidFill>
+              <a:schemeClr val="tx1"/>
+            </a:solidFill>
+          </a:ln>
+        </p:spPr>
+        <p:txBody>
+          <a:bodyPr wrap="square" rtlCol="0">
+            <a:spAutoFit/>
+          </a:bodyPr>
+          <a:lstStyle/>
+          <a:p>
+            <a:r>
+              <a:rPr lang="bg-BG" sz="800" dirty="0"/>
+              <a:t>Референции:</a:t>
+            </a:r>
+            <a:r>
+              <a:rPr lang="en-GB" sz="800" dirty="0"/>
+              <a:t> </a:t>
+            </a:r>
+            <a:endParaRPr lang="bg-BG" sz="800" dirty="0"/>
+          </a:p>
+          <a:p>
+            <a:r>
+              <a:rPr lang="bg-BG" sz="800" dirty="0"/>
+              <a:t>*Моля вижте слайда със списък с референции.</a:t>
+            </a:r>
+            <a:endParaRPr lang="en-GB" sz="800" dirty="0"/>
+          </a:p>
+        </p:txBody>
+      </p:sp>
+      <p:pic>
+        <p:nvPicPr>
+          <p:cNvPr id="33" name="Picture 32" descr="Icon&#10;&#10;Description automatically generated">
+            <a:extLst>
+              <a:ext uri="{FF2B5EF4-FFF2-40B4-BE49-F238E27FC236}">
+                <a16:creationId xmlns:a16="http://schemas.microsoft.com/office/drawing/2014/main" id="{DBFF5641-1D4C-8346-9BCB-7E4731B742EB}"/>
+              </a:ext>
+            </a:extLst>
+          </p:cNvPr>
+          <p:cNvPicPr>
+            <a:picLocks noChangeAspect="1"/>
+          </p:cNvPicPr>
+          <p:nvPr/>
+        </p:nvPicPr>
+        <p:blipFill>
+          <a:blip r:embed="rId6"/>
+          <a:stretch>
+            <a:fillRect/>
+          </a:stretch>
+        </p:blipFill>
+        <p:spPr>
+          <a:xfrm>
+            <a:off x="10222034" y="3287517"/>
+            <a:ext cx="927161" cy="1082166"/>
+          </a:xfrm>
+          <a:prstGeom prst="rect">
+            <a:avLst/>
+          </a:prstGeom>
+        </p:spPr>
+      </p:pic>
+      <p:cxnSp>
+        <p:nvCxnSpPr>
+          <p:cNvPr id="53" name="Straight Arrow Connector 52">
+            <a:extLst>
+              <a:ext uri="{FF2B5EF4-FFF2-40B4-BE49-F238E27FC236}">
+                <a16:creationId xmlns:a16="http://schemas.microsoft.com/office/drawing/2014/main" id="{EBAA60B2-D67C-664E-B42E-00F811B681B2}"/>
+              </a:ext>
+            </a:extLst>
+          </p:cNvPr>
+          <p:cNvCxnSpPr>
+            <a:cxnSpLocks/>
+            <a:stCxn id="33" idx="0"/>
+          </p:cNvCxnSpPr>
+          <p:nvPr/>
+        </p:nvCxnSpPr>
+        <p:spPr>
+          <a:xfrm flipH="1" flipV="1">
+            <a:off x="10685614" y="2170174"/>
+            <a:ext cx="1" cy="1117343"/>
+          </a:xfrm>
+          <a:prstGeom prst="straightConnector1">
+            <a:avLst/>
+          </a:prstGeom>
+          <a:ln>
+            <a:solidFill>
+              <a:schemeClr val="tx1"/>
+            </a:solidFill>
+            <a:tailEnd type="triangle"/>
+          </a:ln>
+        </p:spPr>
+        <p:style>
+          <a:lnRef idx="1">
+            <a:schemeClr val="accent1"/>
+          </a:lnRef>
+          <a:fillRef idx="0">
+            <a:schemeClr val="accent1"/>
+          </a:fillRef>
+          <a:effectRef idx="0">
+            <a:schemeClr val="accent1"/>
+          </a:effectRef>
+          <a:fontRef idx="minor">
+            <a:schemeClr val="tx1"/>
+          </a:fontRef>
+        </p:style>
+      </p:cxnSp>
     </p:spTree>
     <p:extLst>
       <p:ext uri="{BB962C8B-B14F-4D97-AF65-F5344CB8AC3E}">
@@ -7596,10 +8000,1991 @@
           </a:p>
         </p:txBody>
       </p:sp>
+      <p:sp>
+        <p:nvSpPr>
+          <p:cNvPr id="8" name="TextBox 7">
+            <a:extLst>
+              <a:ext uri="{FF2B5EF4-FFF2-40B4-BE49-F238E27FC236}">
+                <a16:creationId xmlns:a16="http://schemas.microsoft.com/office/drawing/2014/main" id="{F74E31B0-60C4-264B-81B0-3C82ABD4A195}"/>
+              </a:ext>
+            </a:extLst>
+          </p:cNvPr>
+          <p:cNvSpPr txBox="1"/>
+          <p:nvPr/>
+        </p:nvSpPr>
+        <p:spPr>
+          <a:xfrm>
+            <a:off x="317396" y="397225"/>
+            <a:ext cx="7013010" cy="369332"/>
+          </a:xfrm>
+          <a:prstGeom prst="rect">
+            <a:avLst/>
+          </a:prstGeom>
+          <a:noFill/>
+        </p:spPr>
+        <p:txBody>
+          <a:bodyPr wrap="none" rtlCol="0">
+            <a:spAutoFit/>
+          </a:bodyPr>
+          <a:lstStyle/>
+          <a:p>
+            <a:r>
+              <a:rPr lang="bg-BG" dirty="0"/>
+              <a:t>Подобрен модел за управление на риска във фирма използваща </a:t>
+            </a:r>
+            <a:r>
+              <a:rPr lang="en-GB" dirty="0"/>
+              <a:t>Java</a:t>
+            </a:r>
+          </a:p>
+        </p:txBody>
+      </p:sp>
+      <p:pic>
+        <p:nvPicPr>
+          <p:cNvPr id="5" name="Picture 4" descr="Icon&#10;&#10;Description automatically generated">
+            <a:extLst>
+              <a:ext uri="{FF2B5EF4-FFF2-40B4-BE49-F238E27FC236}">
+                <a16:creationId xmlns:a16="http://schemas.microsoft.com/office/drawing/2014/main" id="{58D6A044-522B-D14B-AF83-57E764BE435F}"/>
+              </a:ext>
+            </a:extLst>
+          </p:cNvPr>
+          <p:cNvPicPr>
+            <a:picLocks noChangeAspect="1"/>
+          </p:cNvPicPr>
+          <p:nvPr/>
+        </p:nvPicPr>
+        <p:blipFill>
+          <a:blip r:embed="rId2"/>
+          <a:stretch>
+            <a:fillRect/>
+          </a:stretch>
+        </p:blipFill>
+        <p:spPr>
+          <a:xfrm>
+            <a:off x="1957786" y="1502469"/>
+            <a:ext cx="667705" cy="667705"/>
+          </a:xfrm>
+          <a:prstGeom prst="rect">
+            <a:avLst/>
+          </a:prstGeom>
+        </p:spPr>
+      </p:pic>
+      <p:sp>
+        <p:nvSpPr>
+          <p:cNvPr id="9" name="Rounded Rectangle 8">
+            <a:extLst>
+              <a:ext uri="{FF2B5EF4-FFF2-40B4-BE49-F238E27FC236}">
+                <a16:creationId xmlns:a16="http://schemas.microsoft.com/office/drawing/2014/main" id="{53ED97FC-BB1D-6B4B-865A-ACCC98B9807F}"/>
+              </a:ext>
+            </a:extLst>
+          </p:cNvPr>
+          <p:cNvSpPr/>
+          <p:nvPr/>
+        </p:nvSpPr>
+        <p:spPr>
+          <a:xfrm>
+            <a:off x="2819868" y="1166842"/>
+            <a:ext cx="4201063" cy="1354345"/>
+          </a:xfrm>
+          <a:prstGeom prst="roundRect">
+            <a:avLst/>
+          </a:prstGeom>
+          <a:solidFill>
+            <a:schemeClr val="bg1">
+              <a:lumMod val="95000"/>
+            </a:schemeClr>
+          </a:solidFill>
+        </p:spPr>
+        <p:style>
+          <a:lnRef idx="2">
+            <a:schemeClr val="accent6"/>
+          </a:lnRef>
+          <a:fillRef idx="1">
+            <a:schemeClr val="lt1"/>
+          </a:fillRef>
+          <a:effectRef idx="0">
+            <a:schemeClr val="accent6"/>
+          </a:effectRef>
+          <a:fontRef idx="minor">
+            <a:schemeClr val="dk1"/>
+          </a:fontRef>
+        </p:style>
+        <p:txBody>
+          <a:bodyPr rtlCol="0" anchor="t" anchorCtr="0"/>
+          <a:lstStyle/>
+          <a:p>
+            <a:r>
+              <a:rPr lang="en-GB" sz="1600" b="1" dirty="0"/>
+              <a:t>CI PIPELINE</a:t>
+            </a:r>
+          </a:p>
+        </p:txBody>
+      </p:sp>
+      <p:sp>
+        <p:nvSpPr>
+          <p:cNvPr id="10" name="Chevron 9">
+            <a:extLst>
+              <a:ext uri="{FF2B5EF4-FFF2-40B4-BE49-F238E27FC236}">
+                <a16:creationId xmlns:a16="http://schemas.microsoft.com/office/drawing/2014/main" id="{61C206E4-C04C-324E-9D4C-97F002B52656}"/>
+              </a:ext>
+            </a:extLst>
+          </p:cNvPr>
+          <p:cNvSpPr/>
+          <p:nvPr/>
+        </p:nvSpPr>
+        <p:spPr>
+          <a:xfrm>
+            <a:off x="2924273" y="1535657"/>
+            <a:ext cx="1624196" cy="905773"/>
+          </a:xfrm>
+          <a:prstGeom prst="chevron">
+            <a:avLst/>
+          </a:prstGeom>
+        </p:spPr>
+        <p:style>
+          <a:lnRef idx="2">
+            <a:schemeClr val="accent6"/>
+          </a:lnRef>
+          <a:fillRef idx="1">
+            <a:schemeClr val="lt1"/>
+          </a:fillRef>
+          <a:effectRef idx="0">
+            <a:schemeClr val="accent6"/>
+          </a:effectRef>
+          <a:fontRef idx="minor">
+            <a:schemeClr val="dk1"/>
+          </a:fontRef>
+        </p:style>
+        <p:txBody>
+          <a:bodyPr rtlCol="0" anchor="ctr"/>
+          <a:lstStyle/>
+          <a:p>
+            <a:pPr algn="ctr"/>
+            <a:r>
+              <a:rPr lang="en-GB" sz="1200" b="1" dirty="0">
+                <a:solidFill>
+                  <a:schemeClr val="tx1"/>
+                </a:solidFill>
+              </a:rPr>
+              <a:t>Build</a:t>
+            </a:r>
+          </a:p>
+        </p:txBody>
+      </p:sp>
+      <p:sp>
+        <p:nvSpPr>
+          <p:cNvPr id="13" name="Chevron 12">
+            <a:extLst>
+              <a:ext uri="{FF2B5EF4-FFF2-40B4-BE49-F238E27FC236}">
+                <a16:creationId xmlns:a16="http://schemas.microsoft.com/office/drawing/2014/main" id="{D7F2E358-4CD8-C246-8347-6842F47387B3}"/>
+              </a:ext>
+            </a:extLst>
+          </p:cNvPr>
+          <p:cNvSpPr/>
+          <p:nvPr/>
+        </p:nvSpPr>
+        <p:spPr>
+          <a:xfrm>
+            <a:off x="4226416" y="1527029"/>
+            <a:ext cx="1526875" cy="905773"/>
+          </a:xfrm>
+          <a:prstGeom prst="chevron">
+            <a:avLst/>
+          </a:prstGeom>
+          <a:solidFill>
+            <a:srgbClr val="00B050"/>
+          </a:solidFill>
+        </p:spPr>
+        <p:style>
+          <a:lnRef idx="2">
+            <a:schemeClr val="accent6"/>
+          </a:lnRef>
+          <a:fillRef idx="1">
+            <a:schemeClr val="lt1"/>
+          </a:fillRef>
+          <a:effectRef idx="0">
+            <a:schemeClr val="accent6"/>
+          </a:effectRef>
+          <a:fontRef idx="minor">
+            <a:schemeClr val="dk1"/>
+          </a:fontRef>
+        </p:style>
+        <p:txBody>
+          <a:bodyPr rtlCol="0" anchor="ctr"/>
+          <a:lstStyle/>
+          <a:p>
+            <a:pPr algn="ctr"/>
+            <a:r>
+              <a:rPr lang="en-GB" sz="1200" b="1" dirty="0">
+                <a:solidFill>
+                  <a:schemeClr val="tx1"/>
+                </a:solidFill>
+              </a:rPr>
+              <a:t>Test</a:t>
+            </a:r>
+          </a:p>
+        </p:txBody>
+      </p:sp>
+      <p:sp>
+        <p:nvSpPr>
+          <p:cNvPr id="14" name="Chevron 13">
+            <a:extLst>
+              <a:ext uri="{FF2B5EF4-FFF2-40B4-BE49-F238E27FC236}">
+                <a16:creationId xmlns:a16="http://schemas.microsoft.com/office/drawing/2014/main" id="{12AEB92A-6AD6-D747-ADE0-D6CE43301D3C}"/>
+              </a:ext>
+            </a:extLst>
+          </p:cNvPr>
+          <p:cNvSpPr/>
+          <p:nvPr/>
+        </p:nvSpPr>
+        <p:spPr>
+          <a:xfrm>
+            <a:off x="5396735" y="1527028"/>
+            <a:ext cx="1526875" cy="905773"/>
+          </a:xfrm>
+          <a:prstGeom prst="chevron">
+            <a:avLst/>
+          </a:prstGeom>
+        </p:spPr>
+        <p:style>
+          <a:lnRef idx="2">
+            <a:schemeClr val="accent6"/>
+          </a:lnRef>
+          <a:fillRef idx="1">
+            <a:schemeClr val="lt1"/>
+          </a:fillRef>
+          <a:effectRef idx="0">
+            <a:schemeClr val="accent6"/>
+          </a:effectRef>
+          <a:fontRef idx="minor">
+            <a:schemeClr val="dk1"/>
+          </a:fontRef>
+        </p:style>
+        <p:txBody>
+          <a:bodyPr rtlCol="0" anchor="ctr"/>
+          <a:lstStyle/>
+          <a:p>
+            <a:pPr algn="ctr"/>
+            <a:r>
+              <a:rPr lang="en-GB" sz="1200" b="1" dirty="0">
+                <a:solidFill>
+                  <a:schemeClr val="tx1"/>
+                </a:solidFill>
+              </a:rPr>
+              <a:t>Integration</a:t>
+            </a:r>
+          </a:p>
+        </p:txBody>
+      </p:sp>
+      <p:pic>
+        <p:nvPicPr>
+          <p:cNvPr id="15" name="Picture 14" descr="Logo, company name&#10;&#10;Description automatically generated">
+            <a:extLst>
+              <a:ext uri="{FF2B5EF4-FFF2-40B4-BE49-F238E27FC236}">
+                <a16:creationId xmlns:a16="http://schemas.microsoft.com/office/drawing/2014/main" id="{3541CC51-1699-334D-89BB-37E62298C5D7}"/>
+              </a:ext>
+            </a:extLst>
+          </p:cNvPr>
+          <p:cNvPicPr>
+            <a:picLocks noChangeAspect="1"/>
+          </p:cNvPicPr>
+          <p:nvPr/>
+        </p:nvPicPr>
+        <p:blipFill>
+          <a:blip r:embed="rId3"/>
+          <a:stretch>
+            <a:fillRect/>
+          </a:stretch>
+        </p:blipFill>
+        <p:spPr>
+          <a:xfrm>
+            <a:off x="481157" y="2029128"/>
+            <a:ext cx="1583917" cy="570781"/>
+          </a:xfrm>
+          <a:prstGeom prst="rect">
+            <a:avLst/>
+          </a:prstGeom>
+        </p:spPr>
+      </p:pic>
+      <p:pic>
+        <p:nvPicPr>
+          <p:cNvPr id="3" name="Picture 2" descr="Logo&#10;&#10;Description automatically generated">
+            <a:extLst>
+              <a:ext uri="{FF2B5EF4-FFF2-40B4-BE49-F238E27FC236}">
+                <a16:creationId xmlns:a16="http://schemas.microsoft.com/office/drawing/2014/main" id="{14FDDBAF-9996-C448-B32A-191FB8C5AE31}"/>
+              </a:ext>
+            </a:extLst>
+          </p:cNvPr>
+          <p:cNvPicPr>
+            <a:picLocks noChangeAspect="1"/>
+          </p:cNvPicPr>
+          <p:nvPr/>
+        </p:nvPicPr>
+        <p:blipFill>
+          <a:blip r:embed="rId4"/>
+          <a:stretch>
+            <a:fillRect/>
+          </a:stretch>
+        </p:blipFill>
+        <p:spPr>
+          <a:xfrm>
+            <a:off x="179655" y="1117043"/>
+            <a:ext cx="1814382" cy="1030762"/>
+          </a:xfrm>
+          <a:prstGeom prst="rect">
+            <a:avLst/>
+          </a:prstGeom>
+        </p:spPr>
+      </p:pic>
+      <p:pic>
+        <p:nvPicPr>
+          <p:cNvPr id="16" name="Picture 15" descr="Logo&#10;&#10;Description automatically generated">
+            <a:extLst>
+              <a:ext uri="{FF2B5EF4-FFF2-40B4-BE49-F238E27FC236}">
+                <a16:creationId xmlns:a16="http://schemas.microsoft.com/office/drawing/2014/main" id="{1A8300B8-CEC7-674D-B543-7CD5DFBD4F54}"/>
+              </a:ext>
+            </a:extLst>
+          </p:cNvPr>
+          <p:cNvPicPr>
+            <a:picLocks noChangeAspect="1"/>
+          </p:cNvPicPr>
+          <p:nvPr/>
+        </p:nvPicPr>
+        <p:blipFill>
+          <a:blip r:embed="rId4"/>
+          <a:stretch>
+            <a:fillRect/>
+          </a:stretch>
+        </p:blipFill>
+        <p:spPr>
+          <a:xfrm>
+            <a:off x="3665405" y="1521565"/>
+            <a:ext cx="781388" cy="443912"/>
+          </a:xfrm>
+          <a:prstGeom prst="rect">
+            <a:avLst/>
+          </a:prstGeom>
+        </p:spPr>
+      </p:pic>
+      <p:pic>
+        <p:nvPicPr>
+          <p:cNvPr id="17" name="Picture 16" descr="Logo, company name&#10;&#10;Description automatically generated">
+            <a:extLst>
+              <a:ext uri="{FF2B5EF4-FFF2-40B4-BE49-F238E27FC236}">
+                <a16:creationId xmlns:a16="http://schemas.microsoft.com/office/drawing/2014/main" id="{F0752CB4-AF26-374C-AF28-07C5FA6970A4}"/>
+              </a:ext>
+            </a:extLst>
+          </p:cNvPr>
+          <p:cNvPicPr>
+            <a:picLocks noChangeAspect="1"/>
+          </p:cNvPicPr>
+          <p:nvPr/>
+        </p:nvPicPr>
+        <p:blipFill>
+          <a:blip r:embed="rId3"/>
+          <a:stretch>
+            <a:fillRect/>
+          </a:stretch>
+        </p:blipFill>
+        <p:spPr>
+          <a:xfrm>
+            <a:off x="3315851" y="2105857"/>
+            <a:ext cx="719090" cy="259133"/>
+          </a:xfrm>
+          <a:prstGeom prst="rect">
+            <a:avLst/>
+          </a:prstGeom>
+        </p:spPr>
+      </p:pic>
+      <p:sp>
+        <p:nvSpPr>
+          <p:cNvPr id="18" name="Rounded Rectangle 17">
+            <a:extLst>
+              <a:ext uri="{FF2B5EF4-FFF2-40B4-BE49-F238E27FC236}">
+                <a16:creationId xmlns:a16="http://schemas.microsoft.com/office/drawing/2014/main" id="{443F2FC2-80B6-304E-9300-46D79A7F16C6}"/>
+              </a:ext>
+            </a:extLst>
+          </p:cNvPr>
+          <p:cNvSpPr/>
+          <p:nvPr/>
+        </p:nvSpPr>
+        <p:spPr>
+          <a:xfrm>
+            <a:off x="7347236" y="1166842"/>
+            <a:ext cx="4201063" cy="1354345"/>
+          </a:xfrm>
+          <a:prstGeom prst="roundRect">
+            <a:avLst/>
+          </a:prstGeom>
+          <a:solidFill>
+            <a:schemeClr val="bg1">
+              <a:lumMod val="95000"/>
+            </a:schemeClr>
+          </a:solidFill>
+        </p:spPr>
+        <p:style>
+          <a:lnRef idx="2">
+            <a:schemeClr val="accent6"/>
+          </a:lnRef>
+          <a:fillRef idx="1">
+            <a:schemeClr val="lt1"/>
+          </a:fillRef>
+          <a:effectRef idx="0">
+            <a:schemeClr val="accent6"/>
+          </a:effectRef>
+          <a:fontRef idx="minor">
+            <a:schemeClr val="dk1"/>
+          </a:fontRef>
+        </p:style>
+        <p:txBody>
+          <a:bodyPr rtlCol="0" anchor="t" anchorCtr="0"/>
+          <a:lstStyle/>
+          <a:p>
+            <a:r>
+              <a:rPr lang="en-GB" sz="1600" b="1" dirty="0"/>
+              <a:t>CD PIPELINE</a:t>
+            </a:r>
+          </a:p>
+        </p:txBody>
+      </p:sp>
+      <p:sp>
+        <p:nvSpPr>
+          <p:cNvPr id="19" name="Chevron 18">
+            <a:extLst>
+              <a:ext uri="{FF2B5EF4-FFF2-40B4-BE49-F238E27FC236}">
+                <a16:creationId xmlns:a16="http://schemas.microsoft.com/office/drawing/2014/main" id="{EEF06C84-E66E-A844-B2C0-678BA36EDE27}"/>
+              </a:ext>
+            </a:extLst>
+          </p:cNvPr>
+          <p:cNvSpPr/>
+          <p:nvPr/>
+        </p:nvSpPr>
+        <p:spPr>
+          <a:xfrm>
+            <a:off x="7548961" y="1535657"/>
+            <a:ext cx="1526875" cy="905773"/>
+          </a:xfrm>
+          <a:prstGeom prst="chevron">
+            <a:avLst/>
+          </a:prstGeom>
+        </p:spPr>
+        <p:style>
+          <a:lnRef idx="2">
+            <a:schemeClr val="accent6"/>
+          </a:lnRef>
+          <a:fillRef idx="1">
+            <a:schemeClr val="lt1"/>
+          </a:fillRef>
+          <a:effectRef idx="0">
+            <a:schemeClr val="accent6"/>
+          </a:effectRef>
+          <a:fontRef idx="minor">
+            <a:schemeClr val="dk1"/>
+          </a:fontRef>
+        </p:style>
+        <p:txBody>
+          <a:bodyPr rtlCol="0" anchor="ctr"/>
+          <a:lstStyle/>
+          <a:p>
+            <a:pPr algn="ctr"/>
+            <a:r>
+              <a:rPr lang="en-GB" sz="1200" b="1" dirty="0">
+                <a:solidFill>
+                  <a:schemeClr val="tx1"/>
+                </a:solidFill>
+              </a:rPr>
+              <a:t>QA</a:t>
+            </a:r>
+          </a:p>
+        </p:txBody>
+      </p:sp>
+      <p:sp>
+        <p:nvSpPr>
+          <p:cNvPr id="20" name="Chevron 19">
+            <a:extLst>
+              <a:ext uri="{FF2B5EF4-FFF2-40B4-BE49-F238E27FC236}">
+                <a16:creationId xmlns:a16="http://schemas.microsoft.com/office/drawing/2014/main" id="{53852605-7EC1-974F-98C9-308F5FFEE6EE}"/>
+              </a:ext>
+            </a:extLst>
+          </p:cNvPr>
+          <p:cNvSpPr/>
+          <p:nvPr/>
+        </p:nvSpPr>
+        <p:spPr>
+          <a:xfrm>
+            <a:off x="8753784" y="1527029"/>
+            <a:ext cx="1526875" cy="905773"/>
+          </a:xfrm>
+          <a:prstGeom prst="chevron">
+            <a:avLst/>
+          </a:prstGeom>
+        </p:spPr>
+        <p:style>
+          <a:lnRef idx="2">
+            <a:schemeClr val="accent6"/>
+          </a:lnRef>
+          <a:fillRef idx="1">
+            <a:schemeClr val="lt1"/>
+          </a:fillRef>
+          <a:effectRef idx="0">
+            <a:schemeClr val="accent6"/>
+          </a:effectRef>
+          <a:fontRef idx="minor">
+            <a:schemeClr val="dk1"/>
+          </a:fontRef>
+        </p:style>
+        <p:txBody>
+          <a:bodyPr rtlCol="0" anchor="ctr"/>
+          <a:lstStyle/>
+          <a:p>
+            <a:pPr algn="ctr"/>
+            <a:r>
+              <a:rPr lang="en-GB" sz="1200" b="1" dirty="0">
+                <a:solidFill>
+                  <a:schemeClr val="tx1"/>
+                </a:solidFill>
+              </a:rPr>
+              <a:t>STAGE</a:t>
+            </a:r>
+          </a:p>
+        </p:txBody>
+      </p:sp>
+      <p:sp>
+        <p:nvSpPr>
+          <p:cNvPr id="21" name="Chevron 20">
+            <a:extLst>
+              <a:ext uri="{FF2B5EF4-FFF2-40B4-BE49-F238E27FC236}">
+                <a16:creationId xmlns:a16="http://schemas.microsoft.com/office/drawing/2014/main" id="{FDFE0ED8-7627-7349-9BC5-535983C5B0EA}"/>
+              </a:ext>
+            </a:extLst>
+          </p:cNvPr>
+          <p:cNvSpPr/>
+          <p:nvPr/>
+        </p:nvSpPr>
+        <p:spPr>
+          <a:xfrm>
+            <a:off x="9924103" y="1527028"/>
+            <a:ext cx="1526875" cy="905773"/>
+          </a:xfrm>
+          <a:prstGeom prst="chevron">
+            <a:avLst/>
+          </a:prstGeom>
+          <a:solidFill>
+            <a:srgbClr val="FF0000"/>
+          </a:solidFill>
+        </p:spPr>
+        <p:style>
+          <a:lnRef idx="2">
+            <a:schemeClr val="accent6"/>
+          </a:lnRef>
+          <a:fillRef idx="1">
+            <a:schemeClr val="lt1"/>
+          </a:fillRef>
+          <a:effectRef idx="0">
+            <a:schemeClr val="accent6"/>
+          </a:effectRef>
+          <a:fontRef idx="minor">
+            <a:schemeClr val="dk1"/>
+          </a:fontRef>
+        </p:style>
+        <p:txBody>
+          <a:bodyPr rtlCol="0" anchor="ctr"/>
+          <a:lstStyle/>
+          <a:p>
+            <a:pPr algn="ctr"/>
+            <a:r>
+              <a:rPr lang="en-GB" sz="1200" b="1" dirty="0">
+                <a:solidFill>
+                  <a:schemeClr val="tx1"/>
+                </a:solidFill>
+              </a:rPr>
+              <a:t>PROD</a:t>
+            </a:r>
+          </a:p>
+        </p:txBody>
+      </p:sp>
+      <p:cxnSp>
+        <p:nvCxnSpPr>
+          <p:cNvPr id="23" name="Straight Arrow Connector 22">
+            <a:extLst>
+              <a:ext uri="{FF2B5EF4-FFF2-40B4-BE49-F238E27FC236}">
+                <a16:creationId xmlns:a16="http://schemas.microsoft.com/office/drawing/2014/main" id="{5C1406E1-1EB7-5746-8E3F-C6741184D2B7}"/>
+              </a:ext>
+            </a:extLst>
+          </p:cNvPr>
+          <p:cNvCxnSpPr>
+            <a:cxnSpLocks/>
+          </p:cNvCxnSpPr>
+          <p:nvPr/>
+        </p:nvCxnSpPr>
+        <p:spPr>
+          <a:xfrm>
+            <a:off x="1307260" y="1640530"/>
+            <a:ext cx="785647" cy="44437"/>
+          </a:xfrm>
+          <a:prstGeom prst="straightConnector1">
+            <a:avLst/>
+          </a:prstGeom>
+          <a:ln>
+            <a:solidFill>
+              <a:schemeClr val="tx1"/>
+            </a:solidFill>
+            <a:tailEnd type="triangle"/>
+          </a:ln>
+        </p:spPr>
+        <p:style>
+          <a:lnRef idx="1">
+            <a:schemeClr val="accent1"/>
+          </a:lnRef>
+          <a:fillRef idx="0">
+            <a:schemeClr val="accent1"/>
+          </a:fillRef>
+          <a:effectRef idx="0">
+            <a:schemeClr val="accent1"/>
+          </a:effectRef>
+          <a:fontRef idx="minor">
+            <a:schemeClr val="tx1"/>
+          </a:fontRef>
+        </p:style>
+      </p:cxnSp>
+      <p:cxnSp>
+        <p:nvCxnSpPr>
+          <p:cNvPr id="24" name="Straight Arrow Connector 23">
+            <a:extLst>
+              <a:ext uri="{FF2B5EF4-FFF2-40B4-BE49-F238E27FC236}">
+                <a16:creationId xmlns:a16="http://schemas.microsoft.com/office/drawing/2014/main" id="{AD11B659-23B8-744C-BDA1-812892A9783C}"/>
+              </a:ext>
+            </a:extLst>
+          </p:cNvPr>
+          <p:cNvCxnSpPr>
+            <a:cxnSpLocks/>
+          </p:cNvCxnSpPr>
+          <p:nvPr/>
+        </p:nvCxnSpPr>
+        <p:spPr>
+          <a:xfrm flipV="1">
+            <a:off x="1548800" y="1958106"/>
+            <a:ext cx="524887" cy="294572"/>
+          </a:xfrm>
+          <a:prstGeom prst="straightConnector1">
+            <a:avLst/>
+          </a:prstGeom>
+          <a:ln>
+            <a:solidFill>
+              <a:schemeClr val="tx1"/>
+            </a:solidFill>
+            <a:tailEnd type="triangle"/>
+          </a:ln>
+        </p:spPr>
+        <p:style>
+          <a:lnRef idx="1">
+            <a:schemeClr val="accent1"/>
+          </a:lnRef>
+          <a:fillRef idx="0">
+            <a:schemeClr val="accent1"/>
+          </a:fillRef>
+          <a:effectRef idx="0">
+            <a:schemeClr val="accent1"/>
+          </a:effectRef>
+          <a:fontRef idx="minor">
+            <a:schemeClr val="tx1"/>
+          </a:fontRef>
+        </p:style>
+      </p:cxnSp>
+      <p:cxnSp>
+        <p:nvCxnSpPr>
+          <p:cNvPr id="29" name="Straight Arrow Connector 28">
+            <a:extLst>
+              <a:ext uri="{FF2B5EF4-FFF2-40B4-BE49-F238E27FC236}">
+                <a16:creationId xmlns:a16="http://schemas.microsoft.com/office/drawing/2014/main" id="{1E77572E-3B17-834D-AC9E-A5745D931B29}"/>
+              </a:ext>
+            </a:extLst>
+          </p:cNvPr>
+          <p:cNvCxnSpPr>
+            <a:cxnSpLocks/>
+            <a:stCxn id="5" idx="3"/>
+            <a:endCxn id="9" idx="1"/>
+          </p:cNvCxnSpPr>
+          <p:nvPr/>
+        </p:nvCxnSpPr>
+        <p:spPr>
+          <a:xfrm>
+            <a:off x="2625491" y="1836322"/>
+            <a:ext cx="194377" cy="7693"/>
+          </a:xfrm>
+          <a:prstGeom prst="straightConnector1">
+            <a:avLst/>
+          </a:prstGeom>
+          <a:ln>
+            <a:solidFill>
+              <a:schemeClr val="tx1"/>
+            </a:solidFill>
+            <a:tailEnd type="triangle"/>
+          </a:ln>
+        </p:spPr>
+        <p:style>
+          <a:lnRef idx="1">
+            <a:schemeClr val="accent1"/>
+          </a:lnRef>
+          <a:fillRef idx="0">
+            <a:schemeClr val="accent1"/>
+          </a:fillRef>
+          <a:effectRef idx="0">
+            <a:schemeClr val="accent1"/>
+          </a:effectRef>
+          <a:fontRef idx="minor">
+            <a:schemeClr val="tx1"/>
+          </a:fontRef>
+        </p:style>
+      </p:cxnSp>
+      <p:cxnSp>
+        <p:nvCxnSpPr>
+          <p:cNvPr id="37" name="Straight Arrow Connector 36">
+            <a:extLst>
+              <a:ext uri="{FF2B5EF4-FFF2-40B4-BE49-F238E27FC236}">
+                <a16:creationId xmlns:a16="http://schemas.microsoft.com/office/drawing/2014/main" id="{45D36ABA-18E4-DB44-BB1C-064E3EAA6889}"/>
+              </a:ext>
+            </a:extLst>
+          </p:cNvPr>
+          <p:cNvCxnSpPr>
+            <a:cxnSpLocks/>
+            <a:stCxn id="9" idx="3"/>
+            <a:endCxn id="18" idx="1"/>
+          </p:cNvCxnSpPr>
+          <p:nvPr/>
+        </p:nvCxnSpPr>
+        <p:spPr>
+          <a:xfrm>
+            <a:off x="7020931" y="1844015"/>
+            <a:ext cx="326305" cy="0"/>
+          </a:xfrm>
+          <a:prstGeom prst="straightConnector1">
+            <a:avLst/>
+          </a:prstGeom>
+          <a:ln>
+            <a:solidFill>
+              <a:schemeClr val="tx1"/>
+            </a:solidFill>
+            <a:tailEnd type="triangle"/>
+          </a:ln>
+        </p:spPr>
+        <p:style>
+          <a:lnRef idx="1">
+            <a:schemeClr val="accent1"/>
+          </a:lnRef>
+          <a:fillRef idx="0">
+            <a:schemeClr val="accent1"/>
+          </a:fillRef>
+          <a:effectRef idx="0">
+            <a:schemeClr val="accent1"/>
+          </a:effectRef>
+          <a:fontRef idx="minor">
+            <a:schemeClr val="tx1"/>
+          </a:fontRef>
+        </p:style>
+      </p:cxnSp>
+      <p:sp>
+        <p:nvSpPr>
+          <p:cNvPr id="41" name="Card 40">
+            <a:extLst>
+              <a:ext uri="{FF2B5EF4-FFF2-40B4-BE49-F238E27FC236}">
+                <a16:creationId xmlns:a16="http://schemas.microsoft.com/office/drawing/2014/main" id="{F25EB3ED-4C55-0F44-B74F-3F6272D4F78D}"/>
+              </a:ext>
+            </a:extLst>
+          </p:cNvPr>
+          <p:cNvSpPr/>
+          <p:nvPr/>
+        </p:nvSpPr>
+        <p:spPr>
+          <a:xfrm>
+            <a:off x="724619" y="2837774"/>
+            <a:ext cx="414068" cy="487391"/>
+          </a:xfrm>
+          <a:prstGeom prst="flowChartPunchedCard">
+            <a:avLst/>
+          </a:prstGeom>
+        </p:spPr>
+        <p:style>
+          <a:lnRef idx="2">
+            <a:schemeClr val="accent6"/>
+          </a:lnRef>
+          <a:fillRef idx="1">
+            <a:schemeClr val="lt1"/>
+          </a:fillRef>
+          <a:effectRef idx="0">
+            <a:schemeClr val="accent6"/>
+          </a:effectRef>
+          <a:fontRef idx="minor">
+            <a:schemeClr val="dk1"/>
+          </a:fontRef>
+        </p:style>
+        <p:txBody>
+          <a:bodyPr rtlCol="0" anchor="ctr"/>
+          <a:lstStyle/>
+          <a:p>
+            <a:r>
+              <a:rPr lang="en-GB" sz="800" dirty="0"/>
+              <a:t>……</a:t>
+            </a:r>
+          </a:p>
+          <a:p>
+            <a:r>
+              <a:rPr lang="en-GB" sz="800" dirty="0"/>
+              <a:t>…....</a:t>
+            </a:r>
+          </a:p>
+          <a:p>
+            <a:r>
+              <a:rPr lang="en-GB" sz="800" dirty="0"/>
+              <a:t>………</a:t>
+            </a:r>
+          </a:p>
+        </p:txBody>
+      </p:sp>
+      <p:sp>
+        <p:nvSpPr>
+          <p:cNvPr id="42" name="Card 41">
+            <a:extLst>
+              <a:ext uri="{FF2B5EF4-FFF2-40B4-BE49-F238E27FC236}">
+                <a16:creationId xmlns:a16="http://schemas.microsoft.com/office/drawing/2014/main" id="{642F7E6F-12B2-284C-9A72-768CB0AC7A48}"/>
+              </a:ext>
+            </a:extLst>
+          </p:cNvPr>
+          <p:cNvSpPr/>
+          <p:nvPr/>
+        </p:nvSpPr>
+        <p:spPr>
+          <a:xfrm>
+            <a:off x="877019" y="2990174"/>
+            <a:ext cx="414068" cy="487391"/>
+          </a:xfrm>
+          <a:prstGeom prst="flowChartPunchedCard">
+            <a:avLst/>
+          </a:prstGeom>
+        </p:spPr>
+        <p:style>
+          <a:lnRef idx="2">
+            <a:schemeClr val="accent6"/>
+          </a:lnRef>
+          <a:fillRef idx="1">
+            <a:schemeClr val="lt1"/>
+          </a:fillRef>
+          <a:effectRef idx="0">
+            <a:schemeClr val="accent6"/>
+          </a:effectRef>
+          <a:fontRef idx="minor">
+            <a:schemeClr val="dk1"/>
+          </a:fontRef>
+        </p:style>
+        <p:txBody>
+          <a:bodyPr rtlCol="0" anchor="ctr"/>
+          <a:lstStyle/>
+          <a:p>
+            <a:r>
+              <a:rPr lang="en-GB" sz="800" dirty="0"/>
+              <a:t>……</a:t>
+            </a:r>
+          </a:p>
+          <a:p>
+            <a:r>
+              <a:rPr lang="en-GB" sz="800" dirty="0"/>
+              <a:t>…....</a:t>
+            </a:r>
+          </a:p>
+          <a:p>
+            <a:r>
+              <a:rPr lang="en-GB" sz="800" dirty="0"/>
+              <a:t>………</a:t>
+            </a:r>
+          </a:p>
+        </p:txBody>
+      </p:sp>
+      <p:sp>
+        <p:nvSpPr>
+          <p:cNvPr id="43" name="Card 42">
+            <a:extLst>
+              <a:ext uri="{FF2B5EF4-FFF2-40B4-BE49-F238E27FC236}">
+                <a16:creationId xmlns:a16="http://schemas.microsoft.com/office/drawing/2014/main" id="{62E9552D-6E42-2D46-B622-964CC77E2BEA}"/>
+              </a:ext>
+            </a:extLst>
+          </p:cNvPr>
+          <p:cNvSpPr/>
+          <p:nvPr/>
+        </p:nvSpPr>
+        <p:spPr>
+          <a:xfrm>
+            <a:off x="1029419" y="3142574"/>
+            <a:ext cx="414068" cy="487391"/>
+          </a:xfrm>
+          <a:prstGeom prst="flowChartPunchedCard">
+            <a:avLst/>
+          </a:prstGeom>
+        </p:spPr>
+        <p:style>
+          <a:lnRef idx="2">
+            <a:schemeClr val="accent6"/>
+          </a:lnRef>
+          <a:fillRef idx="1">
+            <a:schemeClr val="lt1"/>
+          </a:fillRef>
+          <a:effectRef idx="0">
+            <a:schemeClr val="accent6"/>
+          </a:effectRef>
+          <a:fontRef idx="minor">
+            <a:schemeClr val="dk1"/>
+          </a:fontRef>
+        </p:style>
+        <p:txBody>
+          <a:bodyPr rtlCol="0" anchor="ctr"/>
+          <a:lstStyle/>
+          <a:p>
+            <a:r>
+              <a:rPr lang="en-GB" sz="800" dirty="0"/>
+              <a:t>……</a:t>
+            </a:r>
+          </a:p>
+          <a:p>
+            <a:r>
+              <a:rPr lang="en-GB" sz="800" dirty="0"/>
+              <a:t>…....</a:t>
+            </a:r>
+          </a:p>
+          <a:p>
+            <a:r>
+              <a:rPr lang="en-GB" sz="800" dirty="0"/>
+              <a:t>………</a:t>
+            </a:r>
+          </a:p>
+        </p:txBody>
+      </p:sp>
+      <p:sp>
+        <p:nvSpPr>
+          <p:cNvPr id="54" name="Card 53">
+            <a:extLst>
+              <a:ext uri="{FF2B5EF4-FFF2-40B4-BE49-F238E27FC236}">
+                <a16:creationId xmlns:a16="http://schemas.microsoft.com/office/drawing/2014/main" id="{85D49E1B-7502-0248-9A25-667BCDDBD4DF}"/>
+              </a:ext>
+            </a:extLst>
+          </p:cNvPr>
+          <p:cNvSpPr/>
+          <p:nvPr/>
+        </p:nvSpPr>
+        <p:spPr>
+          <a:xfrm>
+            <a:off x="1089662" y="2891422"/>
+            <a:ext cx="414068" cy="487391"/>
+          </a:xfrm>
+          <a:prstGeom prst="flowChartPunchedCard">
+            <a:avLst/>
+          </a:prstGeom>
+        </p:spPr>
+        <p:style>
+          <a:lnRef idx="2">
+            <a:schemeClr val="accent6"/>
+          </a:lnRef>
+          <a:fillRef idx="1">
+            <a:schemeClr val="lt1"/>
+          </a:fillRef>
+          <a:effectRef idx="0">
+            <a:schemeClr val="accent6"/>
+          </a:effectRef>
+          <a:fontRef idx="minor">
+            <a:schemeClr val="dk1"/>
+          </a:fontRef>
+        </p:style>
+        <p:txBody>
+          <a:bodyPr rtlCol="0" anchor="ctr"/>
+          <a:lstStyle/>
+          <a:p>
+            <a:r>
+              <a:rPr lang="en-GB" sz="800" dirty="0"/>
+              <a:t>……</a:t>
+            </a:r>
+          </a:p>
+          <a:p>
+            <a:r>
+              <a:rPr lang="en-GB" sz="800" dirty="0"/>
+              <a:t>…....</a:t>
+            </a:r>
+          </a:p>
+          <a:p>
+            <a:r>
+              <a:rPr lang="en-GB" sz="800" dirty="0"/>
+              <a:t>………</a:t>
+            </a:r>
+          </a:p>
+        </p:txBody>
+      </p:sp>
+      <p:sp>
+        <p:nvSpPr>
+          <p:cNvPr id="55" name="Card 54">
+            <a:extLst>
+              <a:ext uri="{FF2B5EF4-FFF2-40B4-BE49-F238E27FC236}">
+                <a16:creationId xmlns:a16="http://schemas.microsoft.com/office/drawing/2014/main" id="{19DF05FE-B53C-EF42-B599-A3F2681DAC82}"/>
+              </a:ext>
+            </a:extLst>
+          </p:cNvPr>
+          <p:cNvSpPr/>
+          <p:nvPr/>
+        </p:nvSpPr>
+        <p:spPr>
+          <a:xfrm>
+            <a:off x="1242062" y="3043822"/>
+            <a:ext cx="414068" cy="487391"/>
+          </a:xfrm>
+          <a:prstGeom prst="flowChartPunchedCard">
+            <a:avLst/>
+          </a:prstGeom>
+        </p:spPr>
+        <p:style>
+          <a:lnRef idx="2">
+            <a:schemeClr val="accent6"/>
+          </a:lnRef>
+          <a:fillRef idx="1">
+            <a:schemeClr val="lt1"/>
+          </a:fillRef>
+          <a:effectRef idx="0">
+            <a:schemeClr val="accent6"/>
+          </a:effectRef>
+          <a:fontRef idx="minor">
+            <a:schemeClr val="dk1"/>
+          </a:fontRef>
+        </p:style>
+        <p:txBody>
+          <a:bodyPr rtlCol="0" anchor="ctr"/>
+          <a:lstStyle/>
+          <a:p>
+            <a:r>
+              <a:rPr lang="en-GB" sz="800" dirty="0"/>
+              <a:t>……</a:t>
+            </a:r>
+          </a:p>
+          <a:p>
+            <a:r>
+              <a:rPr lang="en-GB" sz="800" dirty="0"/>
+              <a:t>…....</a:t>
+            </a:r>
+          </a:p>
+          <a:p>
+            <a:r>
+              <a:rPr lang="en-GB" sz="800" dirty="0"/>
+              <a:t>………</a:t>
+            </a:r>
+          </a:p>
+        </p:txBody>
+      </p:sp>
+      <p:sp>
+        <p:nvSpPr>
+          <p:cNvPr id="56" name="Card 55">
+            <a:extLst>
+              <a:ext uri="{FF2B5EF4-FFF2-40B4-BE49-F238E27FC236}">
+                <a16:creationId xmlns:a16="http://schemas.microsoft.com/office/drawing/2014/main" id="{5DB8ADE6-573B-C34F-8192-B51BF61D4598}"/>
+              </a:ext>
+            </a:extLst>
+          </p:cNvPr>
+          <p:cNvSpPr/>
+          <p:nvPr/>
+        </p:nvSpPr>
+        <p:spPr>
+          <a:xfrm>
+            <a:off x="1394462" y="3196222"/>
+            <a:ext cx="414068" cy="487391"/>
+          </a:xfrm>
+          <a:prstGeom prst="flowChartPunchedCard">
+            <a:avLst/>
+          </a:prstGeom>
+        </p:spPr>
+        <p:style>
+          <a:lnRef idx="2">
+            <a:schemeClr val="accent6"/>
+          </a:lnRef>
+          <a:fillRef idx="1">
+            <a:schemeClr val="lt1"/>
+          </a:fillRef>
+          <a:effectRef idx="0">
+            <a:schemeClr val="accent6"/>
+          </a:effectRef>
+          <a:fontRef idx="minor">
+            <a:schemeClr val="dk1"/>
+          </a:fontRef>
+        </p:style>
+        <p:txBody>
+          <a:bodyPr rtlCol="0" anchor="ctr"/>
+          <a:lstStyle/>
+          <a:p>
+            <a:r>
+              <a:rPr lang="en-GB" sz="800" dirty="0"/>
+              <a:t>……</a:t>
+            </a:r>
+          </a:p>
+          <a:p>
+            <a:r>
+              <a:rPr lang="en-GB" sz="800" dirty="0"/>
+              <a:t>…....</a:t>
+            </a:r>
+          </a:p>
+          <a:p>
+            <a:r>
+              <a:rPr lang="en-GB" sz="800" dirty="0"/>
+              <a:t>………</a:t>
+            </a:r>
+          </a:p>
+        </p:txBody>
+      </p:sp>
+      <p:sp>
+        <p:nvSpPr>
+          <p:cNvPr id="57" name="Card 56">
+            <a:extLst>
+              <a:ext uri="{FF2B5EF4-FFF2-40B4-BE49-F238E27FC236}">
+                <a16:creationId xmlns:a16="http://schemas.microsoft.com/office/drawing/2014/main" id="{CCCB05A8-119A-454F-9B83-97F419F5985E}"/>
+              </a:ext>
+            </a:extLst>
+          </p:cNvPr>
+          <p:cNvSpPr/>
+          <p:nvPr/>
+        </p:nvSpPr>
+        <p:spPr>
+          <a:xfrm>
+            <a:off x="609742" y="3262241"/>
+            <a:ext cx="414068" cy="487391"/>
+          </a:xfrm>
+          <a:prstGeom prst="flowChartPunchedCard">
+            <a:avLst/>
+          </a:prstGeom>
+        </p:spPr>
+        <p:style>
+          <a:lnRef idx="2">
+            <a:schemeClr val="accent6"/>
+          </a:lnRef>
+          <a:fillRef idx="1">
+            <a:schemeClr val="lt1"/>
+          </a:fillRef>
+          <a:effectRef idx="0">
+            <a:schemeClr val="accent6"/>
+          </a:effectRef>
+          <a:fontRef idx="minor">
+            <a:schemeClr val="dk1"/>
+          </a:fontRef>
+        </p:style>
+        <p:txBody>
+          <a:bodyPr rtlCol="0" anchor="ctr"/>
+          <a:lstStyle/>
+          <a:p>
+            <a:r>
+              <a:rPr lang="en-GB" sz="800" dirty="0"/>
+              <a:t>……</a:t>
+            </a:r>
+          </a:p>
+          <a:p>
+            <a:r>
+              <a:rPr lang="en-GB" sz="800" dirty="0"/>
+              <a:t>…....</a:t>
+            </a:r>
+          </a:p>
+          <a:p>
+            <a:r>
+              <a:rPr lang="en-GB" sz="800" dirty="0"/>
+              <a:t>………</a:t>
+            </a:r>
+          </a:p>
+        </p:txBody>
+      </p:sp>
+      <p:sp>
+        <p:nvSpPr>
+          <p:cNvPr id="58" name="Card 57">
+            <a:extLst>
+              <a:ext uri="{FF2B5EF4-FFF2-40B4-BE49-F238E27FC236}">
+                <a16:creationId xmlns:a16="http://schemas.microsoft.com/office/drawing/2014/main" id="{DE002795-5C5B-AA40-BF7A-A39B4F555A01}"/>
+              </a:ext>
+            </a:extLst>
+          </p:cNvPr>
+          <p:cNvSpPr/>
+          <p:nvPr/>
+        </p:nvSpPr>
+        <p:spPr>
+          <a:xfrm>
+            <a:off x="762142" y="3414641"/>
+            <a:ext cx="414068" cy="487391"/>
+          </a:xfrm>
+          <a:prstGeom prst="flowChartPunchedCard">
+            <a:avLst/>
+          </a:prstGeom>
+        </p:spPr>
+        <p:style>
+          <a:lnRef idx="2">
+            <a:schemeClr val="accent6"/>
+          </a:lnRef>
+          <a:fillRef idx="1">
+            <a:schemeClr val="lt1"/>
+          </a:fillRef>
+          <a:effectRef idx="0">
+            <a:schemeClr val="accent6"/>
+          </a:effectRef>
+          <a:fontRef idx="minor">
+            <a:schemeClr val="dk1"/>
+          </a:fontRef>
+        </p:style>
+        <p:txBody>
+          <a:bodyPr rtlCol="0" anchor="ctr"/>
+          <a:lstStyle/>
+          <a:p>
+            <a:r>
+              <a:rPr lang="en-GB" sz="800" dirty="0"/>
+              <a:t>……</a:t>
+            </a:r>
+          </a:p>
+          <a:p>
+            <a:r>
+              <a:rPr lang="en-GB" sz="800" dirty="0"/>
+              <a:t>…....</a:t>
+            </a:r>
+          </a:p>
+          <a:p>
+            <a:r>
+              <a:rPr lang="en-GB" sz="800" dirty="0"/>
+              <a:t>………</a:t>
+            </a:r>
+          </a:p>
+        </p:txBody>
+      </p:sp>
+      <p:sp>
+        <p:nvSpPr>
+          <p:cNvPr id="59" name="Card 58">
+            <a:extLst>
+              <a:ext uri="{FF2B5EF4-FFF2-40B4-BE49-F238E27FC236}">
+                <a16:creationId xmlns:a16="http://schemas.microsoft.com/office/drawing/2014/main" id="{E7E52B44-B48F-3D41-A3E9-CE6655D07758}"/>
+              </a:ext>
+            </a:extLst>
+          </p:cNvPr>
+          <p:cNvSpPr/>
+          <p:nvPr/>
+        </p:nvSpPr>
+        <p:spPr>
+          <a:xfrm>
+            <a:off x="914542" y="3567041"/>
+            <a:ext cx="414068" cy="487391"/>
+          </a:xfrm>
+          <a:prstGeom prst="flowChartPunchedCard">
+            <a:avLst/>
+          </a:prstGeom>
+        </p:spPr>
+        <p:style>
+          <a:lnRef idx="2">
+            <a:schemeClr val="accent6"/>
+          </a:lnRef>
+          <a:fillRef idx="1">
+            <a:schemeClr val="lt1"/>
+          </a:fillRef>
+          <a:effectRef idx="0">
+            <a:schemeClr val="accent6"/>
+          </a:effectRef>
+          <a:fontRef idx="minor">
+            <a:schemeClr val="dk1"/>
+          </a:fontRef>
+        </p:style>
+        <p:txBody>
+          <a:bodyPr rtlCol="0" anchor="ctr"/>
+          <a:lstStyle/>
+          <a:p>
+            <a:r>
+              <a:rPr lang="en-GB" sz="800" dirty="0"/>
+              <a:t>……</a:t>
+            </a:r>
+          </a:p>
+          <a:p>
+            <a:r>
+              <a:rPr lang="en-GB" sz="800" dirty="0"/>
+              <a:t>…....</a:t>
+            </a:r>
+          </a:p>
+          <a:p>
+            <a:r>
+              <a:rPr lang="en-GB" sz="800" dirty="0"/>
+              <a:t>………</a:t>
+            </a:r>
+          </a:p>
+        </p:txBody>
+      </p:sp>
+      <p:sp>
+        <p:nvSpPr>
+          <p:cNvPr id="60" name="Card 59">
+            <a:extLst>
+              <a:ext uri="{FF2B5EF4-FFF2-40B4-BE49-F238E27FC236}">
+                <a16:creationId xmlns:a16="http://schemas.microsoft.com/office/drawing/2014/main" id="{A20494F7-45F7-6049-9D5F-7771EEF8A6BB}"/>
+              </a:ext>
+            </a:extLst>
+          </p:cNvPr>
+          <p:cNvSpPr/>
+          <p:nvPr/>
+        </p:nvSpPr>
+        <p:spPr>
+          <a:xfrm>
+            <a:off x="1177577" y="3380988"/>
+            <a:ext cx="414068" cy="487391"/>
+          </a:xfrm>
+          <a:prstGeom prst="flowChartPunchedCard">
+            <a:avLst/>
+          </a:prstGeom>
+        </p:spPr>
+        <p:style>
+          <a:lnRef idx="2">
+            <a:schemeClr val="accent6"/>
+          </a:lnRef>
+          <a:fillRef idx="1">
+            <a:schemeClr val="lt1"/>
+          </a:fillRef>
+          <a:effectRef idx="0">
+            <a:schemeClr val="accent6"/>
+          </a:effectRef>
+          <a:fontRef idx="minor">
+            <a:schemeClr val="dk1"/>
+          </a:fontRef>
+        </p:style>
+        <p:txBody>
+          <a:bodyPr rtlCol="0" anchor="ctr"/>
+          <a:lstStyle/>
+          <a:p>
+            <a:r>
+              <a:rPr lang="en-GB" sz="800" dirty="0"/>
+              <a:t>……</a:t>
+            </a:r>
+          </a:p>
+          <a:p>
+            <a:r>
+              <a:rPr lang="en-GB" sz="800" dirty="0"/>
+              <a:t>…....</a:t>
+            </a:r>
+          </a:p>
+          <a:p>
+            <a:r>
+              <a:rPr lang="en-GB" sz="800" dirty="0"/>
+              <a:t>………</a:t>
+            </a:r>
+          </a:p>
+        </p:txBody>
+      </p:sp>
+      <p:sp>
+        <p:nvSpPr>
+          <p:cNvPr id="61" name="Card 60">
+            <a:extLst>
+              <a:ext uri="{FF2B5EF4-FFF2-40B4-BE49-F238E27FC236}">
+                <a16:creationId xmlns:a16="http://schemas.microsoft.com/office/drawing/2014/main" id="{CA29B0F1-A316-EE41-994A-037142FA1B1B}"/>
+              </a:ext>
+            </a:extLst>
+          </p:cNvPr>
+          <p:cNvSpPr/>
+          <p:nvPr/>
+        </p:nvSpPr>
+        <p:spPr>
+          <a:xfrm>
+            <a:off x="1329977" y="3533388"/>
+            <a:ext cx="414068" cy="487391"/>
+          </a:xfrm>
+          <a:prstGeom prst="flowChartPunchedCard">
+            <a:avLst/>
+          </a:prstGeom>
+        </p:spPr>
+        <p:style>
+          <a:lnRef idx="2">
+            <a:schemeClr val="accent6"/>
+          </a:lnRef>
+          <a:fillRef idx="1">
+            <a:schemeClr val="lt1"/>
+          </a:fillRef>
+          <a:effectRef idx="0">
+            <a:schemeClr val="accent6"/>
+          </a:effectRef>
+          <a:fontRef idx="minor">
+            <a:schemeClr val="dk1"/>
+          </a:fontRef>
+        </p:style>
+        <p:txBody>
+          <a:bodyPr rtlCol="0" anchor="ctr"/>
+          <a:lstStyle/>
+          <a:p>
+            <a:r>
+              <a:rPr lang="en-GB" sz="800" dirty="0"/>
+              <a:t>……</a:t>
+            </a:r>
+          </a:p>
+          <a:p>
+            <a:r>
+              <a:rPr lang="en-GB" sz="800" dirty="0"/>
+              <a:t>…....</a:t>
+            </a:r>
+          </a:p>
+          <a:p>
+            <a:r>
+              <a:rPr lang="en-GB" sz="800" dirty="0"/>
+              <a:t>………</a:t>
+            </a:r>
+          </a:p>
+        </p:txBody>
+      </p:sp>
+      <p:sp>
+        <p:nvSpPr>
+          <p:cNvPr id="62" name="Card 61">
+            <a:extLst>
+              <a:ext uri="{FF2B5EF4-FFF2-40B4-BE49-F238E27FC236}">
+                <a16:creationId xmlns:a16="http://schemas.microsoft.com/office/drawing/2014/main" id="{2D1A569F-CCD5-BE48-83BB-61F303229374}"/>
+              </a:ext>
+            </a:extLst>
+          </p:cNvPr>
+          <p:cNvSpPr/>
+          <p:nvPr/>
+        </p:nvSpPr>
+        <p:spPr>
+          <a:xfrm>
+            <a:off x="1482377" y="3685788"/>
+            <a:ext cx="414068" cy="487391"/>
+          </a:xfrm>
+          <a:prstGeom prst="flowChartPunchedCard">
+            <a:avLst/>
+          </a:prstGeom>
+        </p:spPr>
+        <p:style>
+          <a:lnRef idx="2">
+            <a:schemeClr val="accent6"/>
+          </a:lnRef>
+          <a:fillRef idx="1">
+            <a:schemeClr val="lt1"/>
+          </a:fillRef>
+          <a:effectRef idx="0">
+            <a:schemeClr val="accent6"/>
+          </a:effectRef>
+          <a:fontRef idx="minor">
+            <a:schemeClr val="dk1"/>
+          </a:fontRef>
+        </p:style>
+        <p:txBody>
+          <a:bodyPr rtlCol="0" anchor="ctr"/>
+          <a:lstStyle/>
+          <a:p>
+            <a:r>
+              <a:rPr lang="en-GB" sz="800" dirty="0"/>
+              <a:t>……</a:t>
+            </a:r>
+          </a:p>
+          <a:p>
+            <a:r>
+              <a:rPr lang="en-GB" sz="800" dirty="0"/>
+              <a:t>…....</a:t>
+            </a:r>
+          </a:p>
+          <a:p>
+            <a:r>
+              <a:rPr lang="en-GB" sz="800" dirty="0"/>
+              <a:t>………</a:t>
+            </a:r>
+          </a:p>
+        </p:txBody>
+      </p:sp>
+      <p:cxnSp>
+        <p:nvCxnSpPr>
+          <p:cNvPr id="63" name="Straight Arrow Connector 62">
+            <a:extLst>
+              <a:ext uri="{FF2B5EF4-FFF2-40B4-BE49-F238E27FC236}">
+                <a16:creationId xmlns:a16="http://schemas.microsoft.com/office/drawing/2014/main" id="{1AC3D725-CB05-5E40-9363-82A1BCCDDCFE}"/>
+              </a:ext>
+            </a:extLst>
+          </p:cNvPr>
+          <p:cNvCxnSpPr>
+            <a:cxnSpLocks/>
+            <a:stCxn id="41" idx="0"/>
+          </p:cNvCxnSpPr>
+          <p:nvPr/>
+        </p:nvCxnSpPr>
+        <p:spPr>
+          <a:xfrm flipV="1">
+            <a:off x="931653" y="2450332"/>
+            <a:ext cx="0" cy="387442"/>
+          </a:xfrm>
+          <a:prstGeom prst="straightConnector1">
+            <a:avLst/>
+          </a:prstGeom>
+          <a:ln>
+            <a:solidFill>
+              <a:schemeClr val="tx1"/>
+            </a:solidFill>
+            <a:tailEnd type="triangle"/>
+          </a:ln>
+        </p:spPr>
+        <p:style>
+          <a:lnRef idx="1">
+            <a:schemeClr val="accent1"/>
+          </a:lnRef>
+          <a:fillRef idx="0">
+            <a:schemeClr val="accent1"/>
+          </a:fillRef>
+          <a:effectRef idx="0">
+            <a:schemeClr val="accent1"/>
+          </a:effectRef>
+          <a:fontRef idx="minor">
+            <a:schemeClr val="tx1"/>
+          </a:fontRef>
+        </p:style>
+      </p:cxnSp>
+      <p:sp>
+        <p:nvSpPr>
+          <p:cNvPr id="67" name="TextBox 66">
+            <a:extLst>
+              <a:ext uri="{FF2B5EF4-FFF2-40B4-BE49-F238E27FC236}">
+                <a16:creationId xmlns:a16="http://schemas.microsoft.com/office/drawing/2014/main" id="{CFBC3DF6-E420-6C49-8893-8D495156BF85}"/>
+              </a:ext>
+            </a:extLst>
+          </p:cNvPr>
+          <p:cNvSpPr txBox="1"/>
+          <p:nvPr/>
+        </p:nvSpPr>
+        <p:spPr>
+          <a:xfrm>
+            <a:off x="410120" y="4239701"/>
+            <a:ext cx="1583917" cy="276999"/>
+          </a:xfrm>
+          <a:prstGeom prst="rect">
+            <a:avLst/>
+          </a:prstGeom>
+          <a:noFill/>
+        </p:spPr>
+        <p:txBody>
+          <a:bodyPr wrap="square" rtlCol="0">
+            <a:spAutoFit/>
+          </a:bodyPr>
+          <a:lstStyle/>
+          <a:p>
+            <a:r>
+              <a:rPr lang="en-GB" sz="1200" b="1" dirty="0"/>
+              <a:t>Java codebases x 100</a:t>
+            </a:r>
+          </a:p>
+        </p:txBody>
+      </p:sp>
+      <p:sp>
+        <p:nvSpPr>
+          <p:cNvPr id="38" name="Card 37">
+            <a:extLst>
+              <a:ext uri="{FF2B5EF4-FFF2-40B4-BE49-F238E27FC236}">
+                <a16:creationId xmlns:a16="http://schemas.microsoft.com/office/drawing/2014/main" id="{98737D0D-9671-5247-99A8-951C77EF9BCB}"/>
+              </a:ext>
+            </a:extLst>
+          </p:cNvPr>
+          <p:cNvSpPr/>
+          <p:nvPr/>
+        </p:nvSpPr>
+        <p:spPr>
+          <a:xfrm>
+            <a:off x="2585988" y="3619802"/>
+            <a:ext cx="525170" cy="614515"/>
+          </a:xfrm>
+          <a:prstGeom prst="flowChartPunchedCard">
+            <a:avLst/>
+          </a:prstGeom>
+        </p:spPr>
+        <p:style>
+          <a:lnRef idx="2">
+            <a:schemeClr val="accent6"/>
+          </a:lnRef>
+          <a:fillRef idx="1">
+            <a:schemeClr val="lt1"/>
+          </a:fillRef>
+          <a:effectRef idx="0">
+            <a:schemeClr val="accent6"/>
+          </a:effectRef>
+          <a:fontRef idx="minor">
+            <a:schemeClr val="dk1"/>
+          </a:fontRef>
+        </p:style>
+        <p:txBody>
+          <a:bodyPr rtlCol="0" anchor="ctr"/>
+          <a:lstStyle/>
+          <a:p>
+            <a:r>
+              <a:rPr lang="en-GB" sz="1200" b="1" dirty="0"/>
+              <a:t>POM</a:t>
+            </a:r>
+          </a:p>
+        </p:txBody>
+      </p:sp>
+      <p:pic>
+        <p:nvPicPr>
+          <p:cNvPr id="11" name="Picture 10" descr="Diagram, map&#10;&#10;Description automatically generated">
+            <a:extLst>
+              <a:ext uri="{FF2B5EF4-FFF2-40B4-BE49-F238E27FC236}">
+                <a16:creationId xmlns:a16="http://schemas.microsoft.com/office/drawing/2014/main" id="{BD85ABFA-976D-A946-A236-CB3FD5211283}"/>
+              </a:ext>
+            </a:extLst>
+          </p:cNvPr>
+          <p:cNvPicPr>
+            <a:picLocks noChangeAspect="1"/>
+          </p:cNvPicPr>
+          <p:nvPr/>
+        </p:nvPicPr>
+        <p:blipFill>
+          <a:blip r:embed="rId5"/>
+          <a:stretch>
+            <a:fillRect/>
+          </a:stretch>
+        </p:blipFill>
+        <p:spPr>
+          <a:xfrm>
+            <a:off x="3758283" y="2661566"/>
+            <a:ext cx="4704215" cy="2944081"/>
+          </a:xfrm>
+          <a:prstGeom prst="rect">
+            <a:avLst/>
+          </a:prstGeom>
+        </p:spPr>
+      </p:pic>
+      <p:cxnSp>
+        <p:nvCxnSpPr>
+          <p:cNvPr id="44" name="Straight Arrow Connector 43">
+            <a:extLst>
+              <a:ext uri="{FF2B5EF4-FFF2-40B4-BE49-F238E27FC236}">
+                <a16:creationId xmlns:a16="http://schemas.microsoft.com/office/drawing/2014/main" id="{52417CEB-E6D5-D249-BA1E-E8552D1CCF20}"/>
+              </a:ext>
+            </a:extLst>
+          </p:cNvPr>
+          <p:cNvCxnSpPr>
+            <a:cxnSpLocks/>
+            <a:stCxn id="38" idx="3"/>
+            <a:endCxn id="11" idx="1"/>
+          </p:cNvCxnSpPr>
+          <p:nvPr/>
+        </p:nvCxnSpPr>
+        <p:spPr>
+          <a:xfrm>
+            <a:off x="3111158" y="3927060"/>
+            <a:ext cx="647125" cy="206547"/>
+          </a:xfrm>
+          <a:prstGeom prst="straightConnector1">
+            <a:avLst/>
+          </a:prstGeom>
+          <a:ln>
+            <a:solidFill>
+              <a:schemeClr val="tx1"/>
+            </a:solidFill>
+            <a:tailEnd type="triangle"/>
+          </a:ln>
+        </p:spPr>
+        <p:style>
+          <a:lnRef idx="1">
+            <a:schemeClr val="accent1"/>
+          </a:lnRef>
+          <a:fillRef idx="0">
+            <a:schemeClr val="accent1"/>
+          </a:fillRef>
+          <a:effectRef idx="0">
+            <a:schemeClr val="accent1"/>
+          </a:effectRef>
+          <a:fontRef idx="minor">
+            <a:schemeClr val="tx1"/>
+          </a:fontRef>
+        </p:style>
+      </p:cxnSp>
+      <p:cxnSp>
+        <p:nvCxnSpPr>
+          <p:cNvPr id="45" name="Straight Arrow Connector 44">
+            <a:extLst>
+              <a:ext uri="{FF2B5EF4-FFF2-40B4-BE49-F238E27FC236}">
+                <a16:creationId xmlns:a16="http://schemas.microsoft.com/office/drawing/2014/main" id="{6004C76B-C210-E24A-97D7-85C0AF077535}"/>
+              </a:ext>
+            </a:extLst>
+          </p:cNvPr>
+          <p:cNvCxnSpPr>
+            <a:cxnSpLocks/>
+            <a:stCxn id="38" idx="1"/>
+            <a:endCxn id="62" idx="3"/>
+          </p:cNvCxnSpPr>
+          <p:nvPr/>
+        </p:nvCxnSpPr>
+        <p:spPr>
+          <a:xfrm flipH="1">
+            <a:off x="1896445" y="3927060"/>
+            <a:ext cx="689543" cy="2424"/>
+          </a:xfrm>
+          <a:prstGeom prst="straightConnector1">
+            <a:avLst/>
+          </a:prstGeom>
+          <a:ln>
+            <a:solidFill>
+              <a:schemeClr val="tx1"/>
+            </a:solidFill>
+            <a:tailEnd type="triangle"/>
+          </a:ln>
+        </p:spPr>
+        <p:style>
+          <a:lnRef idx="1">
+            <a:schemeClr val="accent1"/>
+          </a:lnRef>
+          <a:fillRef idx="0">
+            <a:schemeClr val="accent1"/>
+          </a:fillRef>
+          <a:effectRef idx="0">
+            <a:schemeClr val="accent1"/>
+          </a:effectRef>
+          <a:fontRef idx="minor">
+            <a:schemeClr val="tx1"/>
+          </a:fontRef>
+        </p:style>
+      </p:cxnSp>
+      <p:sp>
+        <p:nvSpPr>
+          <p:cNvPr id="50" name="TextBox 49">
+            <a:extLst>
+              <a:ext uri="{FF2B5EF4-FFF2-40B4-BE49-F238E27FC236}">
+                <a16:creationId xmlns:a16="http://schemas.microsoft.com/office/drawing/2014/main" id="{CDD9D245-F13E-A648-8DF3-4E4A9F45324E}"/>
+              </a:ext>
+            </a:extLst>
+          </p:cNvPr>
+          <p:cNvSpPr txBox="1"/>
+          <p:nvPr/>
+        </p:nvSpPr>
+        <p:spPr>
+          <a:xfrm>
+            <a:off x="430306" y="6061554"/>
+            <a:ext cx="11312865" cy="338554"/>
+          </a:xfrm>
+          <a:prstGeom prst="rect">
+            <a:avLst/>
+          </a:prstGeom>
+          <a:noFill/>
+          <a:ln>
+            <a:solidFill>
+              <a:schemeClr val="tx1"/>
+            </a:solidFill>
+          </a:ln>
+        </p:spPr>
+        <p:txBody>
+          <a:bodyPr wrap="square" rtlCol="0">
+            <a:spAutoFit/>
+          </a:bodyPr>
+          <a:lstStyle/>
+          <a:p>
+            <a:r>
+              <a:rPr lang="bg-BG" sz="800" dirty="0"/>
+              <a:t>Референции:</a:t>
+            </a:r>
+            <a:r>
+              <a:rPr lang="en-GB" sz="800" dirty="0"/>
+              <a:t> </a:t>
+            </a:r>
+            <a:endParaRPr lang="bg-BG" sz="800" dirty="0"/>
+          </a:p>
+          <a:p>
+            <a:r>
+              <a:rPr lang="bg-BG" sz="800" dirty="0"/>
+              <a:t>*Моля вижте слайда със списък с референции.</a:t>
+            </a:r>
+            <a:endParaRPr lang="en-GB" sz="800" dirty="0"/>
+          </a:p>
+        </p:txBody>
+      </p:sp>
+      <p:pic>
+        <p:nvPicPr>
+          <p:cNvPr id="33" name="Picture 32" descr="Icon&#10;&#10;Description automatically generated">
+            <a:extLst>
+              <a:ext uri="{FF2B5EF4-FFF2-40B4-BE49-F238E27FC236}">
+                <a16:creationId xmlns:a16="http://schemas.microsoft.com/office/drawing/2014/main" id="{DBFF5641-1D4C-8346-9BCB-7E4731B742EB}"/>
+              </a:ext>
+            </a:extLst>
+          </p:cNvPr>
+          <p:cNvPicPr>
+            <a:picLocks noChangeAspect="1"/>
+          </p:cNvPicPr>
+          <p:nvPr/>
+        </p:nvPicPr>
+        <p:blipFill>
+          <a:blip r:embed="rId6"/>
+          <a:stretch>
+            <a:fillRect/>
+          </a:stretch>
+        </p:blipFill>
+        <p:spPr>
+          <a:xfrm>
+            <a:off x="10222034" y="3287517"/>
+            <a:ext cx="927161" cy="1082166"/>
+          </a:xfrm>
+          <a:prstGeom prst="rect">
+            <a:avLst/>
+          </a:prstGeom>
+        </p:spPr>
+      </p:pic>
+      <p:cxnSp>
+        <p:nvCxnSpPr>
+          <p:cNvPr id="53" name="Straight Arrow Connector 52">
+            <a:extLst>
+              <a:ext uri="{FF2B5EF4-FFF2-40B4-BE49-F238E27FC236}">
+                <a16:creationId xmlns:a16="http://schemas.microsoft.com/office/drawing/2014/main" id="{EBAA60B2-D67C-664E-B42E-00F811B681B2}"/>
+              </a:ext>
+            </a:extLst>
+          </p:cNvPr>
+          <p:cNvCxnSpPr>
+            <a:cxnSpLocks/>
+            <a:stCxn id="33" idx="0"/>
+          </p:cNvCxnSpPr>
+          <p:nvPr/>
+        </p:nvCxnSpPr>
+        <p:spPr>
+          <a:xfrm flipH="1" flipV="1">
+            <a:off x="10685614" y="2170174"/>
+            <a:ext cx="1" cy="1117343"/>
+          </a:xfrm>
+          <a:prstGeom prst="straightConnector1">
+            <a:avLst/>
+          </a:prstGeom>
+          <a:ln>
+            <a:solidFill>
+              <a:schemeClr val="tx1"/>
+            </a:solidFill>
+            <a:tailEnd type="triangle"/>
+          </a:ln>
+        </p:spPr>
+        <p:style>
+          <a:lnRef idx="1">
+            <a:schemeClr val="accent1"/>
+          </a:lnRef>
+          <a:fillRef idx="0">
+            <a:schemeClr val="accent1"/>
+          </a:fillRef>
+          <a:effectRef idx="0">
+            <a:schemeClr val="accent1"/>
+          </a:effectRef>
+          <a:fontRef idx="minor">
+            <a:schemeClr val="tx1"/>
+          </a:fontRef>
+        </p:style>
+      </p:cxnSp>
+      <p:sp>
+        <p:nvSpPr>
+          <p:cNvPr id="25" name="Rectangle 24">
+            <a:extLst>
+              <a:ext uri="{FF2B5EF4-FFF2-40B4-BE49-F238E27FC236}">
+                <a16:creationId xmlns:a16="http://schemas.microsoft.com/office/drawing/2014/main" id="{5DC12AA2-3856-3A42-A383-DC5817A0AD05}"/>
+              </a:ext>
+            </a:extLst>
+          </p:cNvPr>
+          <p:cNvSpPr/>
+          <p:nvPr/>
+        </p:nvSpPr>
+        <p:spPr>
+          <a:xfrm>
+            <a:off x="2210218" y="4719514"/>
+            <a:ext cx="1276710" cy="729916"/>
+          </a:xfrm>
+          <a:prstGeom prst="rect">
+            <a:avLst/>
+          </a:prstGeom>
+        </p:spPr>
+        <p:style>
+          <a:lnRef idx="2">
+            <a:schemeClr val="accent6"/>
+          </a:lnRef>
+          <a:fillRef idx="1">
+            <a:schemeClr val="lt1"/>
+          </a:fillRef>
+          <a:effectRef idx="0">
+            <a:schemeClr val="accent6"/>
+          </a:effectRef>
+          <a:fontRef idx="minor">
+            <a:schemeClr val="dk1"/>
+          </a:fontRef>
+        </p:style>
+        <p:txBody>
+          <a:bodyPr rtlCol="0" anchor="ctr"/>
+          <a:lstStyle/>
+          <a:p>
+            <a:pPr algn="ctr"/>
+            <a:endParaRPr lang="en-GB" sz="1600" b="1" i="1" dirty="0"/>
+          </a:p>
+          <a:p>
+            <a:pPr algn="ctr"/>
+            <a:r>
+              <a:rPr lang="en-GB" sz="1600" b="1" i="1" dirty="0"/>
+              <a:t>Enforcer</a:t>
+            </a:r>
+          </a:p>
+        </p:txBody>
+      </p:sp>
+      <p:pic>
+        <p:nvPicPr>
+          <p:cNvPr id="22" name="Picture 21" descr="A firework in the sky&#10;&#10;Description automatically generated with low confidence">
+            <a:extLst>
+              <a:ext uri="{FF2B5EF4-FFF2-40B4-BE49-F238E27FC236}">
+                <a16:creationId xmlns:a16="http://schemas.microsoft.com/office/drawing/2014/main" id="{20FA372D-648E-074F-BC1D-09678430F865}"/>
+              </a:ext>
+            </a:extLst>
+          </p:cNvPr>
+          <p:cNvPicPr>
+            <a:picLocks noChangeAspect="1"/>
+          </p:cNvPicPr>
+          <p:nvPr/>
+        </p:nvPicPr>
+        <p:blipFill>
+          <a:blip r:embed="rId7"/>
+          <a:stretch>
+            <a:fillRect/>
+          </a:stretch>
+        </p:blipFill>
+        <p:spPr>
+          <a:xfrm>
+            <a:off x="2459398" y="4814315"/>
+            <a:ext cx="874576" cy="218644"/>
+          </a:xfrm>
+          <a:prstGeom prst="rect">
+            <a:avLst/>
+          </a:prstGeom>
+        </p:spPr>
+      </p:pic>
+      <p:cxnSp>
+        <p:nvCxnSpPr>
+          <p:cNvPr id="48" name="Straight Arrow Connector 47">
+            <a:extLst>
+              <a:ext uri="{FF2B5EF4-FFF2-40B4-BE49-F238E27FC236}">
+                <a16:creationId xmlns:a16="http://schemas.microsoft.com/office/drawing/2014/main" id="{8FE22B5E-D10A-4047-A2FA-EF53FB6624DA}"/>
+              </a:ext>
+            </a:extLst>
+          </p:cNvPr>
+          <p:cNvCxnSpPr>
+            <a:cxnSpLocks/>
+            <a:stCxn id="25" idx="0"/>
+            <a:endCxn id="38" idx="2"/>
+          </p:cNvCxnSpPr>
+          <p:nvPr/>
+        </p:nvCxnSpPr>
+        <p:spPr>
+          <a:xfrm flipV="1">
+            <a:off x="2848573" y="4234317"/>
+            <a:ext cx="0" cy="485197"/>
+          </a:xfrm>
+          <a:prstGeom prst="straightConnector1">
+            <a:avLst/>
+          </a:prstGeom>
+          <a:ln>
+            <a:solidFill>
+              <a:schemeClr val="tx1"/>
+            </a:solidFill>
+            <a:tailEnd type="triangle"/>
+          </a:ln>
+        </p:spPr>
+        <p:style>
+          <a:lnRef idx="1">
+            <a:schemeClr val="accent1"/>
+          </a:lnRef>
+          <a:fillRef idx="0">
+            <a:schemeClr val="accent1"/>
+          </a:fillRef>
+          <a:effectRef idx="0">
+            <a:schemeClr val="accent1"/>
+          </a:effectRef>
+          <a:fontRef idx="minor">
+            <a:schemeClr val="tx1"/>
+          </a:fontRef>
+        </p:style>
+      </p:cxnSp>
     </p:spTree>
     <p:extLst>
       <p:ext uri="{BB962C8B-B14F-4D97-AF65-F5344CB8AC3E}">
-        <p14:creationId xmlns:p14="http://schemas.microsoft.com/office/powerpoint/2010/main" val="1089483639"/>
+        <p14:creationId xmlns:p14="http://schemas.microsoft.com/office/powerpoint/2010/main" val="1671606738"/>
       </p:ext>
     </p:extLst>
   </p:cSld>
@@ -7811,240 +10196,10 @@
           </a:p>
         </p:txBody>
       </p:sp>
-      <p:sp>
-        <p:nvSpPr>
-          <p:cNvPr id="8" name="TextBox 7">
-            <a:extLst>
-              <a:ext uri="{FF2B5EF4-FFF2-40B4-BE49-F238E27FC236}">
-                <a16:creationId xmlns:a16="http://schemas.microsoft.com/office/drawing/2014/main" id="{515DB843-B4BA-ED43-82E0-AAA4A1A12D10}"/>
-              </a:ext>
-            </a:extLst>
-          </p:cNvPr>
-          <p:cNvSpPr txBox="1"/>
-          <p:nvPr/>
-        </p:nvSpPr>
-        <p:spPr>
-          <a:xfrm>
-            <a:off x="439567" y="403582"/>
-            <a:ext cx="11312865" cy="369332"/>
-          </a:xfrm>
-          <a:prstGeom prst="rect">
-            <a:avLst/>
-          </a:prstGeom>
-          <a:noFill/>
-          <a:ln>
-            <a:noFill/>
-          </a:ln>
-        </p:spPr>
-        <p:txBody>
-          <a:bodyPr wrap="square" rtlCol="0">
-            <a:spAutoFit/>
-          </a:bodyPr>
-          <a:lstStyle/>
-          <a:p>
-            <a:r>
-              <a:rPr lang="bg-BG" dirty="0"/>
-              <a:t>Списък с референции</a:t>
-            </a:r>
-            <a:endParaRPr lang="en-GB" dirty="0"/>
-          </a:p>
-        </p:txBody>
-      </p:sp>
-      <p:sp>
-        <p:nvSpPr>
-          <p:cNvPr id="9" name="TextBox 8">
-            <a:extLst>
-              <a:ext uri="{FF2B5EF4-FFF2-40B4-BE49-F238E27FC236}">
-                <a16:creationId xmlns:a16="http://schemas.microsoft.com/office/drawing/2014/main" id="{1A1C3C0B-2895-704E-903F-58ACAAF99C78}"/>
-              </a:ext>
-            </a:extLst>
-          </p:cNvPr>
-          <p:cNvSpPr txBox="1"/>
-          <p:nvPr/>
-        </p:nvSpPr>
-        <p:spPr>
-          <a:xfrm>
-            <a:off x="439567" y="1166842"/>
-            <a:ext cx="11312865" cy="2062103"/>
-          </a:xfrm>
-          <a:prstGeom prst="rect">
-            <a:avLst/>
-          </a:prstGeom>
-          <a:noFill/>
-          <a:ln>
-            <a:noFill/>
-          </a:ln>
-        </p:spPr>
-        <p:txBody>
-          <a:bodyPr wrap="square" numCol="2" rtlCol="0">
-            <a:spAutoFit/>
-          </a:bodyPr>
-          <a:lstStyle/>
-          <a:p>
-            <a:r>
-              <a:rPr lang="en-GB" sz="800" dirty="0">
-                <a:hlinkClick r:id="rId2"/>
-              </a:rPr>
-              <a:t>https://www.imperva.com/learn/application-security/zero-day-exploit/</a:t>
-            </a:r>
-            <a:endParaRPr lang="bg-BG" sz="800" dirty="0"/>
-          </a:p>
-          <a:p>
-            <a:endParaRPr lang="en-GB" sz="800" dirty="0"/>
-          </a:p>
-          <a:p>
-            <a:r>
-              <a:rPr lang="en-GB" sz="800" dirty="0">
-                <a:hlinkClick r:id="rId3"/>
-              </a:rPr>
-              <a:t>https://us.norton.com/internetsecurity-emerging-threats-how-do-zero-day-vulnerabilities-work.html</a:t>
-            </a:r>
-            <a:endParaRPr lang="bg-BG" sz="800" dirty="0"/>
-          </a:p>
-          <a:p>
-            <a:endParaRPr lang="bg-BG" sz="800" dirty="0"/>
-          </a:p>
-          <a:p>
-            <a:r>
-              <a:rPr lang="en-GB" sz="800" dirty="0">
-                <a:hlinkClick r:id="rId4"/>
-              </a:rPr>
-              <a:t>https://thesecmaster.com/how-does-the-log4j-vulnerability-work-in-practical/</a:t>
-            </a:r>
-            <a:endParaRPr lang="bg-BG" sz="800" dirty="0"/>
-          </a:p>
-          <a:p>
-            <a:endParaRPr lang="bg-BG" sz="800" dirty="0"/>
-          </a:p>
-          <a:p>
-            <a:r>
-              <a:rPr lang="en-GB" sz="800" dirty="0">
-                <a:hlinkClick r:id="rId5"/>
-              </a:rPr>
-              <a:t>https://d7umqicpi7263.cloudfront.net/img/product/a55efc60-f377-4559-8422-5e828ac7d5fc/1e42c890-e4fd-4bd8-9845-f028dccf0cf8.png</a:t>
-            </a:r>
-            <a:endParaRPr lang="en-GB" sz="800" dirty="0"/>
-          </a:p>
-          <a:p>
-            <a:endParaRPr lang="en-GB" sz="800" dirty="0"/>
-          </a:p>
-          <a:p>
-            <a:r>
-              <a:rPr lang="en-GB" sz="800" dirty="0">
-                <a:hlinkClick r:id="rId6"/>
-              </a:rPr>
-              <a:t>https://miro.medium.com/max/650/1*zzvdRmHGGXONZpuQ2FeqsQ.png</a:t>
-            </a:r>
-            <a:endParaRPr lang="en-GB" sz="800" dirty="0"/>
-          </a:p>
-          <a:p>
-            <a:endParaRPr lang="en-GB" sz="800" dirty="0"/>
-          </a:p>
-          <a:p>
-            <a:r>
-              <a:rPr lang="en-GB" sz="800" dirty="0">
-                <a:hlinkClick r:id="rId7"/>
-              </a:rPr>
-              <a:t>https://maven.apache.org/images/maven-logo-black-on-white.png</a:t>
-            </a:r>
-            <a:endParaRPr lang="en-GB" sz="800" dirty="0"/>
-          </a:p>
-          <a:p>
-            <a:endParaRPr lang="en-GB" sz="800" dirty="0"/>
-          </a:p>
-          <a:p>
-            <a:r>
-              <a:rPr lang="en-GB" sz="800" dirty="0">
-                <a:hlinkClick r:id="rId8"/>
-              </a:rPr>
-              <a:t>https://medium.com/swlh/sonarqube-part-2-features-of-sonarqube-installation-and-some-practice-on-sonarqube-d523ae9a998a</a:t>
-            </a:r>
-            <a:endParaRPr lang="en-GB" sz="800" dirty="0"/>
-          </a:p>
-          <a:p>
-            <a:endParaRPr lang="en-GB" sz="800" dirty="0"/>
-          </a:p>
-          <a:p>
-            <a:r>
-              <a:rPr lang="en-GB" sz="800" dirty="0">
-                <a:hlinkClick r:id="rId9"/>
-              </a:rPr>
-              <a:t>https://www.sonarqube.org/index/sq-homepage-og-image.png</a:t>
-            </a:r>
-            <a:endParaRPr lang="en-GB" sz="800" dirty="0"/>
-          </a:p>
-          <a:p>
-            <a:endParaRPr lang="en-GB" sz="800" dirty="0"/>
-          </a:p>
-          <a:p>
-            <a:r>
-              <a:rPr lang="en-GB" sz="800" dirty="0">
-                <a:hlinkClick r:id="rId10"/>
-              </a:rPr>
-              <a:t>https://www.sonarqube.org/</a:t>
-            </a:r>
-            <a:endParaRPr lang="en-GB" sz="800" dirty="0"/>
-          </a:p>
-          <a:p>
-            <a:endParaRPr lang="en-GB" sz="800" dirty="0"/>
-          </a:p>
-          <a:p>
-            <a:r>
-              <a:rPr lang="en-GB" sz="800" dirty="0">
-                <a:hlinkClick r:id="rId11"/>
-              </a:rPr>
-              <a:t>https://snyk.io/</a:t>
-            </a:r>
-            <a:endParaRPr lang="en-GB" sz="800" dirty="0"/>
-          </a:p>
-          <a:p>
-            <a:endParaRPr lang="en-GB" sz="800" dirty="0"/>
-          </a:p>
-          <a:p>
-            <a:r>
-              <a:rPr lang="en-GB" sz="800" dirty="0">
-                <a:hlinkClick r:id="rId12"/>
-              </a:rPr>
-              <a:t>https://www.taringamberini.com/en/blog/java/ready-to-use-java-dependencies-vulnerability-checker/</a:t>
-            </a:r>
-            <a:endParaRPr lang="en-GB" sz="800" dirty="0"/>
-          </a:p>
-          <a:p>
-            <a:endParaRPr lang="en-GB" sz="800" dirty="0"/>
-          </a:p>
-          <a:p>
-            <a:r>
-              <a:rPr lang="en-GB" sz="800" dirty="0">
-                <a:hlinkClick r:id="rId13"/>
-              </a:rPr>
-              <a:t>https://www.taringamberini.com/images/2016-03-02-ready-to-use-java-dependencies-vulnerability-checker/dependencies_graph_rampart-core-1.3.png</a:t>
-            </a:r>
-            <a:endParaRPr lang="en-GB" sz="800" dirty="0"/>
-          </a:p>
-          <a:p>
-            <a:endParaRPr lang="en-GB" sz="800" dirty="0"/>
-          </a:p>
-          <a:p>
-            <a:endParaRPr lang="en-GB" sz="800" dirty="0"/>
-          </a:p>
-          <a:p>
-            <a:endParaRPr lang="bg-BG" sz="800" dirty="0"/>
-          </a:p>
-          <a:p>
-            <a:endParaRPr lang="bg-BG" sz="800" dirty="0"/>
-          </a:p>
-          <a:p>
-            <a:endParaRPr lang="en-GB" sz="800" dirty="0"/>
-          </a:p>
-          <a:p>
-            <a:endParaRPr lang="en-GB" sz="800" dirty="0"/>
-          </a:p>
-        </p:txBody>
-      </p:sp>
     </p:spTree>
     <p:extLst>
       <p:ext uri="{BB962C8B-B14F-4D97-AF65-F5344CB8AC3E}">
-        <p14:creationId xmlns:p14="http://schemas.microsoft.com/office/powerpoint/2010/main" val="1390439238"/>
+        <p14:creationId xmlns:p14="http://schemas.microsoft.com/office/powerpoint/2010/main" val="1089483639"/>
       </p:ext>
     </p:extLst>
   </p:cSld>
@@ -8071,10 +10226,434 @@
           <a:chExt cx="0" cy="0"/>
         </a:xfrm>
       </p:grpSpPr>
+      <p:sp>
+        <p:nvSpPr>
+          <p:cNvPr id="4" name="Rectangle 3">
+            <a:extLst>
+              <a:ext uri="{FF2B5EF4-FFF2-40B4-BE49-F238E27FC236}">
+                <a16:creationId xmlns:a16="http://schemas.microsoft.com/office/drawing/2014/main" id="{CF8BCCF9-8A09-4548-9D81-3F19262CD326}"/>
+              </a:ext>
+            </a:extLst>
+          </p:cNvPr>
+          <p:cNvSpPr/>
+          <p:nvPr/>
+        </p:nvSpPr>
+        <p:spPr>
+          <a:xfrm>
+            <a:off x="365256" y="317395"/>
+            <a:ext cx="11509348" cy="528992"/>
+          </a:xfrm>
+          <a:prstGeom prst="rect">
+            <a:avLst/>
+          </a:prstGeom>
+          <a:noFill/>
+          <a:ln>
+            <a:solidFill>
+              <a:schemeClr val="tx1"/>
+            </a:solidFill>
+          </a:ln>
+        </p:spPr>
+        <p:style>
+          <a:lnRef idx="2">
+            <a:schemeClr val="accent6"/>
+          </a:lnRef>
+          <a:fillRef idx="1">
+            <a:schemeClr val="lt1"/>
+          </a:fillRef>
+          <a:effectRef idx="0">
+            <a:schemeClr val="accent6"/>
+          </a:effectRef>
+          <a:fontRef idx="minor">
+            <a:schemeClr val="dk1"/>
+          </a:fontRef>
+        </p:style>
+        <p:txBody>
+          <a:bodyPr rtlCol="0" anchor="ctr"/>
+          <a:lstStyle/>
+          <a:p>
+            <a:pPr algn="ctr"/>
+            <a:endParaRPr lang="en-GB"/>
+          </a:p>
+        </p:txBody>
+      </p:sp>
+      <p:sp>
+        <p:nvSpPr>
+          <p:cNvPr id="6" name="Rectangle 5">
+            <a:extLst>
+              <a:ext uri="{FF2B5EF4-FFF2-40B4-BE49-F238E27FC236}">
+                <a16:creationId xmlns:a16="http://schemas.microsoft.com/office/drawing/2014/main" id="{674060E9-ADD7-5340-9708-92DFAE845D40}"/>
+              </a:ext>
+            </a:extLst>
+          </p:cNvPr>
+          <p:cNvSpPr/>
+          <p:nvPr/>
+        </p:nvSpPr>
+        <p:spPr>
+          <a:xfrm>
+            <a:off x="365256" y="1111178"/>
+            <a:ext cx="11509348" cy="4635643"/>
+          </a:xfrm>
+          <a:prstGeom prst="rect">
+            <a:avLst/>
+          </a:prstGeom>
+          <a:noFill/>
+          <a:ln>
+            <a:solidFill>
+              <a:schemeClr val="tx1"/>
+            </a:solidFill>
+          </a:ln>
+        </p:spPr>
+        <p:style>
+          <a:lnRef idx="2">
+            <a:schemeClr val="accent6"/>
+          </a:lnRef>
+          <a:fillRef idx="1">
+            <a:schemeClr val="lt1"/>
+          </a:fillRef>
+          <a:effectRef idx="0">
+            <a:schemeClr val="accent6"/>
+          </a:effectRef>
+          <a:fontRef idx="minor">
+            <a:schemeClr val="dk1"/>
+          </a:fontRef>
+        </p:style>
+        <p:txBody>
+          <a:bodyPr rtlCol="0" anchor="ctr"/>
+          <a:lstStyle/>
+          <a:p>
+            <a:pPr algn="ctr"/>
+            <a:endParaRPr lang="en-GB"/>
+          </a:p>
+        </p:txBody>
+      </p:sp>
+      <p:sp>
+        <p:nvSpPr>
+          <p:cNvPr id="7" name="Rectangle 6">
+            <a:extLst>
+              <a:ext uri="{FF2B5EF4-FFF2-40B4-BE49-F238E27FC236}">
+                <a16:creationId xmlns:a16="http://schemas.microsoft.com/office/drawing/2014/main" id="{CB0AEC85-DDEC-A948-89DB-C29E427A1882}"/>
+              </a:ext>
+            </a:extLst>
+          </p:cNvPr>
+          <p:cNvSpPr/>
+          <p:nvPr/>
+        </p:nvSpPr>
+        <p:spPr>
+          <a:xfrm>
+            <a:off x="365256" y="6011613"/>
+            <a:ext cx="11509348" cy="528992"/>
+          </a:xfrm>
+          <a:prstGeom prst="rect">
+            <a:avLst/>
+          </a:prstGeom>
+          <a:noFill/>
+          <a:ln>
+            <a:solidFill>
+              <a:schemeClr val="tx1"/>
+            </a:solidFill>
+          </a:ln>
+        </p:spPr>
+        <p:style>
+          <a:lnRef idx="2">
+            <a:schemeClr val="accent6"/>
+          </a:lnRef>
+          <a:fillRef idx="1">
+            <a:schemeClr val="lt1"/>
+          </a:fillRef>
+          <a:effectRef idx="0">
+            <a:schemeClr val="accent6"/>
+          </a:effectRef>
+          <a:fontRef idx="minor">
+            <a:schemeClr val="dk1"/>
+          </a:fontRef>
+        </p:style>
+        <p:txBody>
+          <a:bodyPr rtlCol="0" anchor="ctr"/>
+          <a:lstStyle/>
+          <a:p>
+            <a:pPr algn="ctr"/>
+            <a:endParaRPr lang="en-GB"/>
+          </a:p>
+        </p:txBody>
+      </p:sp>
+      <p:sp>
+        <p:nvSpPr>
+          <p:cNvPr id="12" name="TextBox 11">
+            <a:extLst>
+              <a:ext uri="{FF2B5EF4-FFF2-40B4-BE49-F238E27FC236}">
+                <a16:creationId xmlns:a16="http://schemas.microsoft.com/office/drawing/2014/main" id="{358E67CA-3C95-FF40-86BC-C555D6D7696D}"/>
+              </a:ext>
+            </a:extLst>
+          </p:cNvPr>
+          <p:cNvSpPr txBox="1"/>
+          <p:nvPr/>
+        </p:nvSpPr>
+        <p:spPr>
+          <a:xfrm>
+            <a:off x="439567" y="1166842"/>
+            <a:ext cx="11312865" cy="338554"/>
+          </a:xfrm>
+          <a:prstGeom prst="rect">
+            <a:avLst/>
+          </a:prstGeom>
+          <a:noFill/>
+          <a:ln>
+            <a:noFill/>
+          </a:ln>
+        </p:spPr>
+        <p:txBody>
+          <a:bodyPr wrap="square" rtlCol="0">
+            <a:spAutoFit/>
+          </a:bodyPr>
+          <a:lstStyle/>
+          <a:p>
+            <a:endParaRPr lang="en-GB" sz="1600" dirty="0"/>
+          </a:p>
+        </p:txBody>
+      </p:sp>
+      <p:sp>
+        <p:nvSpPr>
+          <p:cNvPr id="8" name="TextBox 7">
+            <a:extLst>
+              <a:ext uri="{FF2B5EF4-FFF2-40B4-BE49-F238E27FC236}">
+                <a16:creationId xmlns:a16="http://schemas.microsoft.com/office/drawing/2014/main" id="{515DB843-B4BA-ED43-82E0-AAA4A1A12D10}"/>
+              </a:ext>
+            </a:extLst>
+          </p:cNvPr>
+          <p:cNvSpPr txBox="1"/>
+          <p:nvPr/>
+        </p:nvSpPr>
+        <p:spPr>
+          <a:xfrm>
+            <a:off x="439567" y="403582"/>
+            <a:ext cx="11312865" cy="369332"/>
+          </a:xfrm>
+          <a:prstGeom prst="rect">
+            <a:avLst/>
+          </a:prstGeom>
+          <a:noFill/>
+          <a:ln>
+            <a:noFill/>
+          </a:ln>
+        </p:spPr>
+        <p:txBody>
+          <a:bodyPr wrap="square" rtlCol="0">
+            <a:spAutoFit/>
+          </a:bodyPr>
+          <a:lstStyle/>
+          <a:p>
+            <a:r>
+              <a:rPr lang="bg-BG" dirty="0"/>
+              <a:t>Списък с референции</a:t>
+            </a:r>
+            <a:endParaRPr lang="en-GB" dirty="0"/>
+          </a:p>
+        </p:txBody>
+      </p:sp>
+      <p:sp>
+        <p:nvSpPr>
+          <p:cNvPr id="9" name="TextBox 8">
+            <a:extLst>
+              <a:ext uri="{FF2B5EF4-FFF2-40B4-BE49-F238E27FC236}">
+                <a16:creationId xmlns:a16="http://schemas.microsoft.com/office/drawing/2014/main" id="{1A1C3C0B-2895-704E-903F-58ACAAF99C78}"/>
+              </a:ext>
+            </a:extLst>
+          </p:cNvPr>
+          <p:cNvSpPr txBox="1"/>
+          <p:nvPr/>
+        </p:nvSpPr>
+        <p:spPr>
+          <a:xfrm>
+            <a:off x="439567" y="1166842"/>
+            <a:ext cx="11312865" cy="2062103"/>
+          </a:xfrm>
+          <a:prstGeom prst="rect">
+            <a:avLst/>
+          </a:prstGeom>
+          <a:noFill/>
+          <a:ln>
+            <a:noFill/>
+          </a:ln>
+        </p:spPr>
+        <p:txBody>
+          <a:bodyPr wrap="square" numCol="2" rtlCol="0">
+            <a:spAutoFit/>
+          </a:bodyPr>
+          <a:lstStyle/>
+          <a:p>
+            <a:r>
+              <a:rPr lang="en-GB" sz="800" dirty="0">
+                <a:hlinkClick r:id="rId2"/>
+              </a:rPr>
+              <a:t>https://www.imperva.com/learn/application-security/zero-day-exploit/</a:t>
+            </a:r>
+            <a:endParaRPr lang="bg-BG" sz="800" dirty="0"/>
+          </a:p>
+          <a:p>
+            <a:endParaRPr lang="en-GB" sz="800" dirty="0"/>
+          </a:p>
+          <a:p>
+            <a:r>
+              <a:rPr lang="en-GB" sz="800" dirty="0">
+                <a:hlinkClick r:id="rId3"/>
+              </a:rPr>
+              <a:t>https://us.norton.com/internetsecurity-emerging-threats-how-do-zero-day-vulnerabilities-work.html</a:t>
+            </a:r>
+            <a:endParaRPr lang="bg-BG" sz="800" dirty="0"/>
+          </a:p>
+          <a:p>
+            <a:endParaRPr lang="bg-BG" sz="800" dirty="0"/>
+          </a:p>
+          <a:p>
+            <a:r>
+              <a:rPr lang="en-GB" sz="800" dirty="0">
+                <a:hlinkClick r:id="rId4"/>
+              </a:rPr>
+              <a:t>https://thesecmaster.com/how-does-the-log4j-vulnerability-work-in-practical/</a:t>
+            </a:r>
+            <a:endParaRPr lang="bg-BG" sz="800" dirty="0"/>
+          </a:p>
+          <a:p>
+            <a:endParaRPr lang="bg-BG" sz="800" dirty="0"/>
+          </a:p>
+          <a:p>
+            <a:r>
+              <a:rPr lang="en-GB" sz="800" dirty="0">
+                <a:hlinkClick r:id="rId5"/>
+              </a:rPr>
+              <a:t>https://d7umqicpi7263.cloudfront.net/img/product/a55efc60-f377-4559-8422-5e828ac7d5fc/1e42c890-e4fd-4bd8-9845-f028dccf0cf8.png</a:t>
+            </a:r>
+            <a:endParaRPr lang="en-GB" sz="800" dirty="0"/>
+          </a:p>
+          <a:p>
+            <a:endParaRPr lang="en-GB" sz="800" dirty="0"/>
+          </a:p>
+          <a:p>
+            <a:r>
+              <a:rPr lang="en-GB" sz="800" dirty="0">
+                <a:hlinkClick r:id="rId6"/>
+              </a:rPr>
+              <a:t>https://miro.medium.com/max/650/1*zzvdRmHGGXONZpuQ2FeqsQ.png</a:t>
+            </a:r>
+            <a:endParaRPr lang="en-GB" sz="800" dirty="0"/>
+          </a:p>
+          <a:p>
+            <a:endParaRPr lang="en-GB" sz="800" dirty="0"/>
+          </a:p>
+          <a:p>
+            <a:r>
+              <a:rPr lang="en-GB" sz="800" dirty="0">
+                <a:hlinkClick r:id="rId7"/>
+              </a:rPr>
+              <a:t>https://maven.apache.org/images/maven-logo-black-on-white.png</a:t>
+            </a:r>
+            <a:endParaRPr lang="en-GB" sz="800" dirty="0"/>
+          </a:p>
+          <a:p>
+            <a:endParaRPr lang="en-GB" sz="800" dirty="0"/>
+          </a:p>
+          <a:p>
+            <a:r>
+              <a:rPr lang="en-GB" sz="800" dirty="0">
+                <a:hlinkClick r:id="rId8"/>
+              </a:rPr>
+              <a:t>https://medium.com/swlh/sonarqube-part-2-features-of-sonarqube-installation-and-some-practice-on-sonarqube-d523ae9a998a</a:t>
+            </a:r>
+            <a:endParaRPr lang="en-GB" sz="800" dirty="0"/>
+          </a:p>
+          <a:p>
+            <a:endParaRPr lang="en-GB" sz="800" dirty="0"/>
+          </a:p>
+          <a:p>
+            <a:r>
+              <a:rPr lang="en-GB" sz="800" dirty="0">
+                <a:hlinkClick r:id="rId9"/>
+              </a:rPr>
+              <a:t>https://www.sonarqube.org/index/sq-homepage-og-image.png</a:t>
+            </a:r>
+            <a:endParaRPr lang="en-GB" sz="800" dirty="0"/>
+          </a:p>
+          <a:p>
+            <a:endParaRPr lang="en-GB" sz="800" dirty="0"/>
+          </a:p>
+          <a:p>
+            <a:r>
+              <a:rPr lang="en-GB" sz="800" dirty="0">
+                <a:hlinkClick r:id="rId10"/>
+              </a:rPr>
+              <a:t>https://www.sonarqube.org/</a:t>
+            </a:r>
+            <a:endParaRPr lang="en-GB" sz="800" dirty="0"/>
+          </a:p>
+          <a:p>
+            <a:endParaRPr lang="en-GB" sz="800" dirty="0"/>
+          </a:p>
+          <a:p>
+            <a:r>
+              <a:rPr lang="en-GB" sz="800" dirty="0">
+                <a:hlinkClick r:id="rId11"/>
+              </a:rPr>
+              <a:t>https://snyk.io/</a:t>
+            </a:r>
+            <a:endParaRPr lang="en-GB" sz="800" dirty="0"/>
+          </a:p>
+          <a:p>
+            <a:endParaRPr lang="en-GB" sz="800" dirty="0"/>
+          </a:p>
+          <a:p>
+            <a:r>
+              <a:rPr lang="en-GB" sz="800" dirty="0">
+                <a:hlinkClick r:id="rId12"/>
+              </a:rPr>
+              <a:t>https://www.taringamberini.com/en/blog/java/ready-to-use-java-dependencies-vulnerability-checker/</a:t>
+            </a:r>
+            <a:endParaRPr lang="en-GB" sz="800" dirty="0"/>
+          </a:p>
+          <a:p>
+            <a:endParaRPr lang="en-GB" sz="800" dirty="0"/>
+          </a:p>
+          <a:p>
+            <a:r>
+              <a:rPr lang="en-GB" sz="800" dirty="0">
+                <a:hlinkClick r:id="rId13"/>
+              </a:rPr>
+              <a:t>https://www.taringamberini.com/images/2016-03-02-ready-to-use-java-dependencies-vulnerability-checker/dependencies_graph_rampart-core-1.3.png</a:t>
+            </a:r>
+            <a:endParaRPr lang="en-GB" sz="800" dirty="0"/>
+          </a:p>
+          <a:p>
+            <a:endParaRPr lang="en-GB" sz="800" dirty="0"/>
+          </a:p>
+          <a:p>
+            <a:r>
+              <a:rPr lang="en-GB" sz="800" dirty="0">
+                <a:hlinkClick r:id="rId14"/>
+              </a:rPr>
+              <a:t>https://openclipart.org/detail/288357/anonymous-hacker-behind-pc</a:t>
+            </a:r>
+            <a:endParaRPr lang="en-GB" sz="800" dirty="0"/>
+          </a:p>
+          <a:p>
+            <a:endParaRPr lang="en-GB" sz="800" dirty="0"/>
+          </a:p>
+          <a:p>
+            <a:endParaRPr lang="bg-BG" sz="800" dirty="0"/>
+          </a:p>
+          <a:p>
+            <a:endParaRPr lang="bg-BG" sz="800" dirty="0"/>
+          </a:p>
+          <a:p>
+            <a:endParaRPr lang="en-GB" sz="800" dirty="0"/>
+          </a:p>
+          <a:p>
+            <a:endParaRPr lang="en-GB" sz="800" dirty="0"/>
+          </a:p>
+        </p:txBody>
+      </p:sp>
     </p:spTree>
     <p:extLst>
       <p:ext uri="{BB962C8B-B14F-4D97-AF65-F5344CB8AC3E}">
-        <p14:creationId xmlns:p14="http://schemas.microsoft.com/office/powerpoint/2010/main" val="2047473254"/>
+        <p14:creationId xmlns:p14="http://schemas.microsoft.com/office/powerpoint/2010/main" val="1390439238"/>
       </p:ext>
     </p:extLst>
   </p:cSld>
